--- a/Group Podcast.pptx
+++ b/Group Podcast.pptx
@@ -5,10 +5,10 @@
     <p:sldMasterId id="2147483648" r:id="rId1"/>
   </p:sldMasterIdLst>
   <p:notesMasterIdLst>
-    <p:notesMasterId r:id="rId18"/>
+    <p:notesMasterId r:id="rId21"/>
   </p:notesMasterIdLst>
   <p:handoutMasterIdLst>
-    <p:handoutMasterId r:id="rId19"/>
+    <p:handoutMasterId r:id="rId22"/>
   </p:handoutMasterIdLst>
   <p:sldIdLst>
     <p:sldId id="256" r:id="rId2"/>
@@ -22,11 +22,14 @@
     <p:sldId id="273" r:id="rId10"/>
     <p:sldId id="269" r:id="rId11"/>
     <p:sldId id="270" r:id="rId12"/>
-    <p:sldId id="271" r:id="rId13"/>
+    <p:sldId id="277" r:id="rId13"/>
     <p:sldId id="272" r:id="rId14"/>
-    <p:sldId id="263" r:id="rId15"/>
-    <p:sldId id="274" r:id="rId16"/>
-    <p:sldId id="275" r:id="rId17"/>
+    <p:sldId id="280" r:id="rId15"/>
+    <p:sldId id="278" r:id="rId16"/>
+    <p:sldId id="279" r:id="rId17"/>
+    <p:sldId id="263" r:id="rId18"/>
+    <p:sldId id="274" r:id="rId19"/>
+    <p:sldId id="275" r:id="rId20"/>
   </p:sldIdLst>
   <p:sldSz cx="12192000" cy="6858000"/>
   <p:notesSz cx="6858000" cy="9144000"/>
@@ -6703,7 +6706,7 @@
           <a:p>
             <a:fld id="{043B725B-653D-4166-A8E9-72A38A1847CF}" type="datetimeFigureOut">
               <a:rPr lang="en-US"/>
-              <a:t>7/20/2023</a:t>
+              <a:t>7/24/2023</a:t>
             </a:fld>
             <a:endParaRPr/>
           </a:p>
@@ -6868,7 +6871,7 @@
           <a:p>
             <a:fld id="{783F64CD-0576-4A9A-BD06-7889D6E60BDC}" type="datetimeFigureOut">
               <a:rPr lang="en-US"/>
-              <a:t>7/20/2023</a:t>
+              <a:t>7/24/2023</a:t>
             </a:fld>
             <a:endParaRPr/>
           </a:p>
@@ -7466,7 +7469,7 @@
           <a:p>
             <a:fld id="{37CC0096-1860-4642-9CD2-0079EA5E7CD1}" type="datetimeFigureOut">
               <a:rPr lang="en-US"/>
-              <a:t>7/20/2023</a:t>
+              <a:t>7/24/2023</a:t>
             </a:fld>
             <a:endParaRPr/>
           </a:p>
@@ -7715,7 +7718,7 @@
           <a:p>
             <a:fld id="{37CC0096-1860-4642-9CD2-0079EA5E7CD1}" type="datetimeFigureOut">
               <a:rPr lang="en-US"/>
-              <a:t>7/20/2023</a:t>
+              <a:t>7/24/2023</a:t>
             </a:fld>
             <a:endParaRPr/>
           </a:p>
@@ -7901,7 +7904,7 @@
           <a:p>
             <a:fld id="{37CC0096-1860-4642-9CD2-0079EA5E7CD1}" type="datetimeFigureOut">
               <a:rPr lang="en-US"/>
-              <a:t>7/20/2023</a:t>
+              <a:t>7/24/2023</a:t>
             </a:fld>
             <a:endParaRPr/>
           </a:p>
@@ -8432,7 +8435,7 @@
           <a:p>
             <a:fld id="{37CC0096-1860-4642-9CD2-0079EA5E7CD1}" type="datetimeFigureOut">
               <a:rPr lang="en-US"/>
-              <a:t>7/20/2023</a:t>
+              <a:t>7/24/2023</a:t>
             </a:fld>
             <a:endParaRPr/>
           </a:p>
@@ -8884,7 +8887,7 @@
           <a:p>
             <a:fld id="{37CC0096-1860-4642-9CD2-0079EA5E7CD1}" type="datetimeFigureOut">
               <a:rPr lang="en-US"/>
-              <a:t>7/20/2023</a:t>
+              <a:t>7/24/2023</a:t>
             </a:fld>
             <a:endParaRPr/>
           </a:p>
@@ -9014,7 +9017,7 @@
           <a:p>
             <a:fld id="{37CC0096-1860-4642-9CD2-0079EA5E7CD1}" type="datetimeFigureOut">
               <a:rPr lang="en-US"/>
-              <a:t>7/20/2023</a:t>
+              <a:t>7/24/2023</a:t>
             </a:fld>
             <a:endParaRPr/>
           </a:p>
@@ -9121,7 +9124,7 @@
           <a:p>
             <a:fld id="{37CC0096-1860-4642-9CD2-0079EA5E7CD1}" type="datetimeFigureOut">
               <a:rPr lang="en-US"/>
-              <a:t>7/20/2023</a:t>
+              <a:t>7/24/2023</a:t>
             </a:fld>
             <a:endParaRPr/>
           </a:p>
@@ -10110,7 +10113,7 @@
             <a:fld id="{37CC0096-1860-4642-9CD2-0079EA5E7CD1}" type="datetimeFigureOut">
               <a:rPr lang="en-US" smtClean="0"/>
               <a:pPr/>
-              <a:t>7/20/2023</a:t>
+              <a:t>7/24/2023</a:t>
             </a:fld>
             <a:endParaRPr lang="en-US" dirty="0"/>
           </a:p>
@@ -10661,11 +10664,11 @@
   <p:clrMapOvr>
     <a:masterClrMapping/>
   </p:clrMapOvr>
-  <mc:AlternateContent xmlns:mc="http://schemas.openxmlformats.org/markup-compatibility/2006">
-    <mc:Choice xmlns:p14="http://schemas.microsoft.com/office/powerpoint/2010/main" Requires="p14">
+  <mc:AlternateContent xmlns:mc="http://schemas.openxmlformats.org/markup-compatibility/2006" xmlns:p14="http://schemas.microsoft.com/office/powerpoint/2010/main">
+    <mc:Choice Requires="p14">
       <p:transition p14:dur="0" advTm="5247"/>
     </mc:Choice>
-    <mc:Fallback>
+    <mc:Fallback xmlns="">
       <p:transition advTm="5247"/>
     </mc:Fallback>
   </mc:AlternateContent>
@@ -10704,7 +10707,10 @@
           <a:bodyPr/>
           <a:lstStyle/>
           <a:p>
-            <a:endParaRPr lang="en-US" dirty="0"/>
+            <a:r>
+              <a:rPr lang="en-US" dirty="0"/>
+              <a:t>Health Technology Now</a:t>
+            </a:r>
           </a:p>
         </p:txBody>
       </p:sp>
@@ -10718,13 +10724,13 @@
   <p:clrMapOvr>
     <a:masterClrMapping/>
   </p:clrMapOvr>
-  <mc:AlternateContent xmlns:mc="http://schemas.openxmlformats.org/markup-compatibility/2006">
-    <mc:Choice xmlns:p14="http://schemas.microsoft.com/office/powerpoint/2010/main" Requires="p14">
+  <mc:AlternateContent xmlns:mc="http://schemas.openxmlformats.org/markup-compatibility/2006" xmlns:p14="http://schemas.microsoft.com/office/powerpoint/2010/main">
+    <mc:Choice Requires="p14">
       <p:transition spd="med" p14:dur="700">
         <p:fade/>
       </p:transition>
     </mc:Choice>
-    <mc:Fallback>
+    <mc:Fallback xmlns="">
       <p:transition spd="med">
         <p:fade/>
       </p:transition>
@@ -10771,7 +10777,10 @@
           <a:bodyPr/>
           <a:lstStyle/>
           <a:p>
-            <a:endParaRPr lang="en-IE" dirty="0"/>
+            <a:r>
+              <a:rPr lang="en-IE" dirty="0"/>
+              <a:t>Future is promising for Health Tech</a:t>
+            </a:r>
           </a:p>
         </p:txBody>
       </p:sp>
@@ -10791,37 +10800,296 @@
             <p:ph type="body" idx="1"/>
           </p:nvPr>
         </p:nvSpPr>
-        <p:spPr/>
+        <p:spPr>
+          <a:xfrm>
+            <a:off x="695400" y="1864800"/>
+            <a:ext cx="4800600" cy="4552529"/>
+          </a:xfrm>
+        </p:spPr>
         <p:txBody>
           <a:bodyPr/>
           <a:lstStyle/>
           <a:p>
-            <a:endParaRPr lang="en-IE"/>
+            <a:r>
+              <a:rPr lang="en-IE" dirty="0"/>
+              <a:t>Thanks to recent technologies Health Tech grows and expands, moving us closer to a bright future.</a:t>
+            </a:r>
+          </a:p>
+          <a:p>
+            <a:r>
+              <a:rPr lang="en-IE" dirty="0"/>
+              <a:t>IoMT – Internet of Medical Things, AI, VR, 3D Bioprinting… All of these and much more contribute to a better change.</a:t>
+            </a:r>
+          </a:p>
+          <a:p>
+            <a:endParaRPr lang="en-IE" dirty="0"/>
           </a:p>
         </p:txBody>
       </p:sp>
-      <p:sp>
-        <p:nvSpPr>
-          <p:cNvPr id="4" name="Content Placeholder 3">
+      <p:pic>
+        <p:nvPicPr>
+          <p:cNvPr id="6" name="Content Placeholder 5" descr="A chart of health care trends&#10;&#10;Description automatically generated">
             <a:extLst>
               <a:ext uri="{FF2B5EF4-FFF2-40B4-BE49-F238E27FC236}">
-                <a16:creationId xmlns:a16="http://schemas.microsoft.com/office/drawing/2014/main" id="{F2290FDC-BDC3-0683-2C54-1340F46A9FFF}"/>
+                <a16:creationId xmlns:a16="http://schemas.microsoft.com/office/drawing/2014/main" id="{369FA16D-7AAC-5674-A9F5-A4B030E3746A}"/>
               </a:ext>
             </a:extLst>
           </p:cNvPr>
-          <p:cNvSpPr>
-            <a:spLocks noGrp="1"/>
-          </p:cNvSpPr>
+          <p:cNvPicPr>
+            <a:picLocks noGrp="1" noChangeAspect="1"/>
+          </p:cNvPicPr>
           <p:nvPr>
             <p:ph sz="half" idx="2"/>
           </p:nvPr>
+        </p:nvPicPr>
+        <p:blipFill>
+          <a:blip r:embed="rId2">
+            <a:extLst>
+              <a:ext uri="{28A0092B-C50C-407E-A947-70E740481C1C}">
+                <a14:useLocalDpi xmlns:a14="http://schemas.microsoft.com/office/drawing/2010/main" val="0"/>
+              </a:ext>
+            </a:extLst>
+          </a:blip>
+          <a:stretch>
+            <a:fillRect/>
+          </a:stretch>
+        </p:blipFill>
+        <p:spPr>
+          <a:xfrm>
+            <a:off x="6096000" y="1772816"/>
+            <a:ext cx="5006446" cy="4552529"/>
+          </a:xfrm>
+        </p:spPr>
+      </p:pic>
+      <p:sp>
+        <p:nvSpPr>
+          <p:cNvPr id="9" name="Text Placeholder 2">
+            <a:extLst>
+              <a:ext uri="{FF2B5EF4-FFF2-40B4-BE49-F238E27FC236}">
+                <a16:creationId xmlns:a16="http://schemas.microsoft.com/office/drawing/2014/main" id="{85908936-3D60-B181-A172-375AFBF0E60A}"/>
+              </a:ext>
+            </a:extLst>
+          </p:cNvPr>
+          <p:cNvSpPr txBox="1">
+            <a:spLocks/>
+          </p:cNvSpPr>
+          <p:nvPr/>
         </p:nvSpPr>
-        <p:spPr/>
+        <p:spPr>
+          <a:xfrm>
+            <a:off x="695400" y="3344592"/>
+            <a:ext cx="4800600" cy="1456186"/>
+          </a:xfrm>
+          <a:prstGeom prst="rect">
+            <a:avLst/>
+          </a:prstGeom>
+        </p:spPr>
         <p:txBody>
-          <a:bodyPr/>
-          <a:lstStyle/>
-          <a:p>
-            <a:endParaRPr lang="en-IE"/>
+          <a:bodyPr vert="horz" lIns="91440" tIns="45720" rIns="91440" bIns="45720" rtlCol="0" anchor="ctr">
+            <a:noAutofit/>
+          </a:bodyPr>
+          <a:lstStyle>
+            <a:lvl1pPr marL="0" indent="0" algn="l" defTabSz="914400" rtl="0" eaLnBrk="1" latinLnBrk="0" hangingPunct="1">
+              <a:lnSpc>
+                <a:spcPct val="90000"/>
+              </a:lnSpc>
+              <a:spcBef>
+                <a:spcPts val="1800"/>
+              </a:spcBef>
+              <a:buSzPct val="100000"/>
+              <a:buFont typeface="Arial" pitchFamily="34" charset="0"/>
+              <a:buNone/>
+              <a:defRPr sz="2400" b="0" kern="1200" cap="none" baseline="0">
+                <a:solidFill>
+                  <a:schemeClr val="tx1">
+                    <a:lumMod val="75000"/>
+                    <a:lumOff val="25000"/>
+                  </a:schemeClr>
+                </a:solidFill>
+                <a:latin typeface="+mn-lt"/>
+                <a:ea typeface="+mn-ea"/>
+                <a:cs typeface="+mn-cs"/>
+              </a:defRPr>
+            </a:lvl1pPr>
+            <a:lvl2pPr marL="457200" indent="0" algn="l" defTabSz="914400" rtl="0" eaLnBrk="1" latinLnBrk="0" hangingPunct="1">
+              <a:lnSpc>
+                <a:spcPct val="90000"/>
+              </a:lnSpc>
+              <a:spcBef>
+                <a:spcPts val="600"/>
+              </a:spcBef>
+              <a:buSzPct val="100000"/>
+              <a:buFont typeface="Arial" pitchFamily="34" charset="0"/>
+              <a:buNone/>
+              <a:defRPr sz="2000" b="1" kern="1200">
+                <a:solidFill>
+                  <a:schemeClr val="tx1">
+                    <a:lumMod val="75000"/>
+                    <a:lumOff val="25000"/>
+                  </a:schemeClr>
+                </a:solidFill>
+                <a:latin typeface="+mn-lt"/>
+                <a:ea typeface="+mn-ea"/>
+                <a:cs typeface="+mn-cs"/>
+              </a:defRPr>
+            </a:lvl2pPr>
+            <a:lvl3pPr marL="914400" indent="0" algn="l" defTabSz="914400" rtl="0" eaLnBrk="1" latinLnBrk="0" hangingPunct="1">
+              <a:lnSpc>
+                <a:spcPct val="90000"/>
+              </a:lnSpc>
+              <a:spcBef>
+                <a:spcPts val="600"/>
+              </a:spcBef>
+              <a:buSzPct val="100000"/>
+              <a:buFont typeface="Arial" pitchFamily="34" charset="0"/>
+              <a:buNone/>
+              <a:defRPr sz="1800" b="1" kern="1200">
+                <a:solidFill>
+                  <a:schemeClr val="tx1">
+                    <a:lumMod val="75000"/>
+                    <a:lumOff val="25000"/>
+                  </a:schemeClr>
+                </a:solidFill>
+                <a:latin typeface="+mn-lt"/>
+                <a:ea typeface="+mn-ea"/>
+                <a:cs typeface="+mn-cs"/>
+              </a:defRPr>
+            </a:lvl3pPr>
+            <a:lvl4pPr marL="1371600" indent="0" algn="l" defTabSz="914400" rtl="0" eaLnBrk="1" latinLnBrk="0" hangingPunct="1">
+              <a:lnSpc>
+                <a:spcPct val="90000"/>
+              </a:lnSpc>
+              <a:spcBef>
+                <a:spcPts val="600"/>
+              </a:spcBef>
+              <a:buSzPct val="100000"/>
+              <a:buFont typeface="Arial" pitchFamily="34" charset="0"/>
+              <a:buNone/>
+              <a:defRPr sz="1600" b="1" kern="1200">
+                <a:solidFill>
+                  <a:schemeClr val="tx1">
+                    <a:lumMod val="75000"/>
+                    <a:lumOff val="25000"/>
+                  </a:schemeClr>
+                </a:solidFill>
+                <a:latin typeface="+mn-lt"/>
+                <a:ea typeface="+mn-ea"/>
+                <a:cs typeface="+mn-cs"/>
+              </a:defRPr>
+            </a:lvl4pPr>
+            <a:lvl5pPr marL="1828800" indent="0" algn="l" defTabSz="914400" rtl="0" eaLnBrk="1" latinLnBrk="0" hangingPunct="1">
+              <a:lnSpc>
+                <a:spcPct val="90000"/>
+              </a:lnSpc>
+              <a:spcBef>
+                <a:spcPts val="600"/>
+              </a:spcBef>
+              <a:buSzPct val="100000"/>
+              <a:buFont typeface="Arial" pitchFamily="34" charset="0"/>
+              <a:buNone/>
+              <a:defRPr sz="1600" b="1" kern="1200">
+                <a:solidFill>
+                  <a:schemeClr val="tx1">
+                    <a:lumMod val="75000"/>
+                    <a:lumOff val="25000"/>
+                  </a:schemeClr>
+                </a:solidFill>
+                <a:latin typeface="+mn-lt"/>
+                <a:ea typeface="+mn-ea"/>
+                <a:cs typeface="+mn-cs"/>
+              </a:defRPr>
+            </a:lvl5pPr>
+            <a:lvl6pPr marL="2286000" indent="0" algn="l" defTabSz="914400" rtl="0" eaLnBrk="1" latinLnBrk="0" hangingPunct="1">
+              <a:lnSpc>
+                <a:spcPct val="90000"/>
+              </a:lnSpc>
+              <a:spcBef>
+                <a:spcPts val="400"/>
+              </a:spcBef>
+              <a:buSzPct val="100000"/>
+              <a:buFont typeface="Arial" pitchFamily="34" charset="0"/>
+              <a:buNone/>
+              <a:defRPr sz="1600" b="1" kern="1200">
+                <a:solidFill>
+                  <a:schemeClr val="tx1">
+                    <a:lumMod val="75000"/>
+                    <a:lumOff val="25000"/>
+                  </a:schemeClr>
+                </a:solidFill>
+                <a:latin typeface="+mn-lt"/>
+                <a:ea typeface="+mn-ea"/>
+                <a:cs typeface="+mn-cs"/>
+              </a:defRPr>
+            </a:lvl6pPr>
+            <a:lvl7pPr marL="2743200" indent="0" algn="l" defTabSz="914400" rtl="0" eaLnBrk="1" latinLnBrk="0" hangingPunct="1">
+              <a:lnSpc>
+                <a:spcPct val="90000"/>
+              </a:lnSpc>
+              <a:spcBef>
+                <a:spcPts val="400"/>
+              </a:spcBef>
+              <a:buSzPct val="100000"/>
+              <a:buFont typeface="Arial" pitchFamily="34" charset="0"/>
+              <a:buNone/>
+              <a:defRPr sz="1600" b="1" kern="1200">
+                <a:solidFill>
+                  <a:schemeClr val="tx1">
+                    <a:lumMod val="75000"/>
+                    <a:lumOff val="25000"/>
+                  </a:schemeClr>
+                </a:solidFill>
+                <a:latin typeface="+mn-lt"/>
+                <a:ea typeface="+mn-ea"/>
+                <a:cs typeface="+mn-cs"/>
+              </a:defRPr>
+            </a:lvl7pPr>
+            <a:lvl8pPr marL="3200400" indent="0" algn="l" defTabSz="914400" rtl="0" eaLnBrk="1" latinLnBrk="0" hangingPunct="1">
+              <a:lnSpc>
+                <a:spcPct val="90000"/>
+              </a:lnSpc>
+              <a:spcBef>
+                <a:spcPts val="400"/>
+              </a:spcBef>
+              <a:buSzPct val="100000"/>
+              <a:buFont typeface="Arial" pitchFamily="34" charset="0"/>
+              <a:buNone/>
+              <a:defRPr sz="1600" b="1" kern="1200">
+                <a:solidFill>
+                  <a:schemeClr val="tx1">
+                    <a:lumMod val="75000"/>
+                    <a:lumOff val="25000"/>
+                  </a:schemeClr>
+                </a:solidFill>
+                <a:latin typeface="+mn-lt"/>
+                <a:ea typeface="+mn-ea"/>
+                <a:cs typeface="+mn-cs"/>
+              </a:defRPr>
+            </a:lvl8pPr>
+            <a:lvl9pPr marL="3657600" indent="0" algn="l" defTabSz="914400" rtl="0" eaLnBrk="1" latinLnBrk="0" hangingPunct="1">
+              <a:lnSpc>
+                <a:spcPct val="90000"/>
+              </a:lnSpc>
+              <a:spcBef>
+                <a:spcPts val="400"/>
+              </a:spcBef>
+              <a:buSzPct val="100000"/>
+              <a:buFont typeface="Arial" pitchFamily="34" charset="0"/>
+              <a:buNone/>
+              <a:defRPr sz="1600" b="1" kern="1200">
+                <a:solidFill>
+                  <a:schemeClr val="tx1">
+                    <a:lumMod val="75000"/>
+                    <a:lumOff val="25000"/>
+                  </a:schemeClr>
+                </a:solidFill>
+                <a:latin typeface="+mn-lt"/>
+                <a:ea typeface="+mn-ea"/>
+                <a:cs typeface="+mn-cs"/>
+              </a:defRPr>
+            </a:lvl9pPr>
+          </a:lstStyle>
+          <a:p>
+            <a:endParaRPr lang="en-IE" dirty="0"/>
           </a:p>
         </p:txBody>
       </p:sp>
@@ -10835,13 +11103,13 @@
   <p:clrMapOvr>
     <a:masterClrMapping/>
   </p:clrMapOvr>
-  <mc:AlternateContent xmlns:mc="http://schemas.openxmlformats.org/markup-compatibility/2006">
-    <mc:Choice xmlns:p14="http://schemas.microsoft.com/office/powerpoint/2010/main" Requires="p14">
+  <mc:AlternateContent xmlns:mc="http://schemas.openxmlformats.org/markup-compatibility/2006" xmlns:p14="http://schemas.microsoft.com/office/powerpoint/2010/main">
+    <mc:Choice Requires="p14">
       <p:transition spd="med" p14:dur="700">
         <p:fade/>
       </p:transition>
     </mc:Choice>
-    <mc:Fallback>
+    <mc:Fallback xmlns="">
       <p:transition spd="med">
         <p:fade/>
       </p:transition>
@@ -10869,7 +11137,13 @@
       </p:grpSpPr>
       <p:sp>
         <p:nvSpPr>
-          <p:cNvPr id="2" name="Title 1"/>
+          <p:cNvPr id="2" name="Title 1">
+            <a:extLst>
+              <a:ext uri="{FF2B5EF4-FFF2-40B4-BE49-F238E27FC236}">
+                <a16:creationId xmlns:a16="http://schemas.microsoft.com/office/drawing/2014/main" id="{2EF61792-3E2A-B62E-E719-93DBE3277E63}"/>
+              </a:ext>
+            </a:extLst>
+          </p:cNvPr>
           <p:cNvSpPr>
             <a:spLocks noGrp="1"/>
           </p:cNvSpPr>
@@ -10882,27 +11156,372 @@
           <a:bodyPr/>
           <a:lstStyle/>
           <a:p>
-            <a:endParaRPr lang="en-US" dirty="0"/>
+            <a:r>
+              <a:rPr lang="en-IE" dirty="0"/>
+              <a:t>What are we trying to improve?</a:t>
+            </a:r>
+          </a:p>
+        </p:txBody>
+      </p:sp>
+      <p:sp>
+        <p:nvSpPr>
+          <p:cNvPr id="5" name="Text Placeholder 2">
+            <a:extLst>
+              <a:ext uri="{FF2B5EF4-FFF2-40B4-BE49-F238E27FC236}">
+                <a16:creationId xmlns:a16="http://schemas.microsoft.com/office/drawing/2014/main" id="{93AA0CC0-3F86-52C2-C6AA-0933ADFFDBEE}"/>
+              </a:ext>
+            </a:extLst>
+          </p:cNvPr>
+          <p:cNvSpPr>
+            <a:spLocks noGrp="1"/>
+          </p:cNvSpPr>
+          <p:nvPr>
+            <p:ph type="body" idx="1"/>
+          </p:nvPr>
+        </p:nvSpPr>
+        <p:spPr>
+          <a:xfrm>
+            <a:off x="695400" y="1844824"/>
+            <a:ext cx="5256584" cy="3816424"/>
+          </a:xfrm>
+        </p:spPr>
+        <p:txBody>
+          <a:bodyPr/>
+          <a:lstStyle/>
+          <a:p>
+            <a:r>
+              <a:rPr lang="en-IE" dirty="0"/>
+              <a:t>Basically, </a:t>
+            </a:r>
+            <a:r>
+              <a:rPr lang="en-IE" b="1" dirty="0"/>
+              <a:t>everything</a:t>
+            </a:r>
+            <a:r>
+              <a:rPr lang="en-IE" dirty="0"/>
+              <a:t>.</a:t>
+            </a:r>
+          </a:p>
+          <a:p>
+            <a:pPr marL="342900" indent="-342900">
+              <a:buFont typeface="Arial" panose="020B0604020202020204" pitchFamily="34" charset="0"/>
+              <a:buChar char="•"/>
+            </a:pPr>
+            <a:r>
+              <a:rPr lang="en-IE" dirty="0"/>
+              <a:t>Patient care</a:t>
+            </a:r>
+          </a:p>
+          <a:p>
+            <a:pPr marL="342900" indent="-342900">
+              <a:buFont typeface="Arial" panose="020B0604020202020204" pitchFamily="34" charset="0"/>
+              <a:buChar char="•"/>
+            </a:pPr>
+            <a:r>
+              <a:rPr lang="en-IE" dirty="0"/>
+              <a:t>Healthcare accessibility</a:t>
+            </a:r>
+          </a:p>
+          <a:p>
+            <a:pPr marL="342900" indent="-342900">
+              <a:buFont typeface="Arial" panose="020B0604020202020204" pitchFamily="34" charset="0"/>
+              <a:buChar char="•"/>
+            </a:pPr>
+            <a:r>
+              <a:rPr lang="en-IE" dirty="0"/>
+              <a:t>Diagnostics and treatment</a:t>
+            </a:r>
+          </a:p>
+          <a:p>
+            <a:pPr marL="342900" indent="-342900">
+              <a:buFont typeface="Arial" panose="020B0604020202020204" pitchFamily="34" charset="0"/>
+              <a:buChar char="•"/>
+            </a:pPr>
+            <a:r>
+              <a:rPr lang="en-IE" dirty="0"/>
+              <a:t>Preventive care</a:t>
+            </a:r>
+          </a:p>
+          <a:p>
+            <a:pPr marL="342900" indent="-342900">
+              <a:buFont typeface="Arial" panose="020B0604020202020204" pitchFamily="34" charset="0"/>
+              <a:buChar char="•"/>
+            </a:pPr>
+            <a:r>
+              <a:rPr lang="en-IE" dirty="0"/>
+              <a:t>Costs</a:t>
+            </a:r>
+          </a:p>
+          <a:p>
+            <a:pPr marL="342900" indent="-342900">
+              <a:buFont typeface="Arial" panose="020B0604020202020204" pitchFamily="34" charset="0"/>
+              <a:buChar char="•"/>
+            </a:pPr>
+            <a:r>
+              <a:rPr lang="en-IE" dirty="0"/>
+              <a:t>And more!</a:t>
+            </a:r>
+          </a:p>
+        </p:txBody>
+      </p:sp>
+      <p:sp>
+        <p:nvSpPr>
+          <p:cNvPr id="6" name="Text Placeholder 2">
+            <a:extLst>
+              <a:ext uri="{FF2B5EF4-FFF2-40B4-BE49-F238E27FC236}">
+                <a16:creationId xmlns:a16="http://schemas.microsoft.com/office/drawing/2014/main" id="{6AC66FDC-02A0-BE75-FA75-1B118754AD7D}"/>
+              </a:ext>
+            </a:extLst>
+          </p:cNvPr>
+          <p:cNvSpPr txBox="1">
+            <a:spLocks/>
+          </p:cNvSpPr>
+          <p:nvPr/>
+        </p:nvSpPr>
+        <p:spPr>
+          <a:xfrm>
+            <a:off x="6096000" y="1844825"/>
+            <a:ext cx="4752528" cy="3600399"/>
+          </a:xfrm>
+          <a:prstGeom prst="rect">
+            <a:avLst/>
+          </a:prstGeom>
+        </p:spPr>
+        <p:txBody>
+          <a:bodyPr vert="horz" lIns="91440" tIns="45720" rIns="91440" bIns="45720" rtlCol="0" anchor="ctr">
+            <a:noAutofit/>
+          </a:bodyPr>
+          <a:lstStyle>
+            <a:lvl1pPr marL="0" indent="0" algn="l" defTabSz="914400" rtl="0" eaLnBrk="1" latinLnBrk="0" hangingPunct="1">
+              <a:lnSpc>
+                <a:spcPct val="90000"/>
+              </a:lnSpc>
+              <a:spcBef>
+                <a:spcPts val="1800"/>
+              </a:spcBef>
+              <a:buSzPct val="100000"/>
+              <a:buFont typeface="Arial" pitchFamily="34" charset="0"/>
+              <a:buNone/>
+              <a:defRPr sz="2400" b="0" kern="1200" cap="none" baseline="0">
+                <a:solidFill>
+                  <a:schemeClr val="tx1">
+                    <a:lumMod val="75000"/>
+                    <a:lumOff val="25000"/>
+                  </a:schemeClr>
+                </a:solidFill>
+                <a:latin typeface="+mn-lt"/>
+                <a:ea typeface="+mn-ea"/>
+                <a:cs typeface="+mn-cs"/>
+              </a:defRPr>
+            </a:lvl1pPr>
+            <a:lvl2pPr marL="457200" indent="0" algn="l" defTabSz="914400" rtl="0" eaLnBrk="1" latinLnBrk="0" hangingPunct="1">
+              <a:lnSpc>
+                <a:spcPct val="90000"/>
+              </a:lnSpc>
+              <a:spcBef>
+                <a:spcPts val="600"/>
+              </a:spcBef>
+              <a:buSzPct val="100000"/>
+              <a:buFont typeface="Arial" pitchFamily="34" charset="0"/>
+              <a:buNone/>
+              <a:defRPr sz="2000" b="1" kern="1200">
+                <a:solidFill>
+                  <a:schemeClr val="tx1">
+                    <a:lumMod val="75000"/>
+                    <a:lumOff val="25000"/>
+                  </a:schemeClr>
+                </a:solidFill>
+                <a:latin typeface="+mn-lt"/>
+                <a:ea typeface="+mn-ea"/>
+                <a:cs typeface="+mn-cs"/>
+              </a:defRPr>
+            </a:lvl2pPr>
+            <a:lvl3pPr marL="914400" indent="0" algn="l" defTabSz="914400" rtl="0" eaLnBrk="1" latinLnBrk="0" hangingPunct="1">
+              <a:lnSpc>
+                <a:spcPct val="90000"/>
+              </a:lnSpc>
+              <a:spcBef>
+                <a:spcPts val="600"/>
+              </a:spcBef>
+              <a:buSzPct val="100000"/>
+              <a:buFont typeface="Arial" pitchFamily="34" charset="0"/>
+              <a:buNone/>
+              <a:defRPr sz="1800" b="1" kern="1200">
+                <a:solidFill>
+                  <a:schemeClr val="tx1">
+                    <a:lumMod val="75000"/>
+                    <a:lumOff val="25000"/>
+                  </a:schemeClr>
+                </a:solidFill>
+                <a:latin typeface="+mn-lt"/>
+                <a:ea typeface="+mn-ea"/>
+                <a:cs typeface="+mn-cs"/>
+              </a:defRPr>
+            </a:lvl3pPr>
+            <a:lvl4pPr marL="1371600" indent="0" algn="l" defTabSz="914400" rtl="0" eaLnBrk="1" latinLnBrk="0" hangingPunct="1">
+              <a:lnSpc>
+                <a:spcPct val="90000"/>
+              </a:lnSpc>
+              <a:spcBef>
+                <a:spcPts val="600"/>
+              </a:spcBef>
+              <a:buSzPct val="100000"/>
+              <a:buFont typeface="Arial" pitchFamily="34" charset="0"/>
+              <a:buNone/>
+              <a:defRPr sz="1600" b="1" kern="1200">
+                <a:solidFill>
+                  <a:schemeClr val="tx1">
+                    <a:lumMod val="75000"/>
+                    <a:lumOff val="25000"/>
+                  </a:schemeClr>
+                </a:solidFill>
+                <a:latin typeface="+mn-lt"/>
+                <a:ea typeface="+mn-ea"/>
+                <a:cs typeface="+mn-cs"/>
+              </a:defRPr>
+            </a:lvl4pPr>
+            <a:lvl5pPr marL="1828800" indent="0" algn="l" defTabSz="914400" rtl="0" eaLnBrk="1" latinLnBrk="0" hangingPunct="1">
+              <a:lnSpc>
+                <a:spcPct val="90000"/>
+              </a:lnSpc>
+              <a:spcBef>
+                <a:spcPts val="600"/>
+              </a:spcBef>
+              <a:buSzPct val="100000"/>
+              <a:buFont typeface="Arial" pitchFamily="34" charset="0"/>
+              <a:buNone/>
+              <a:defRPr sz="1600" b="1" kern="1200">
+                <a:solidFill>
+                  <a:schemeClr val="tx1">
+                    <a:lumMod val="75000"/>
+                    <a:lumOff val="25000"/>
+                  </a:schemeClr>
+                </a:solidFill>
+                <a:latin typeface="+mn-lt"/>
+                <a:ea typeface="+mn-ea"/>
+                <a:cs typeface="+mn-cs"/>
+              </a:defRPr>
+            </a:lvl5pPr>
+            <a:lvl6pPr marL="2286000" indent="0" algn="l" defTabSz="914400" rtl="0" eaLnBrk="1" latinLnBrk="0" hangingPunct="1">
+              <a:lnSpc>
+                <a:spcPct val="90000"/>
+              </a:lnSpc>
+              <a:spcBef>
+                <a:spcPts val="400"/>
+              </a:spcBef>
+              <a:buSzPct val="100000"/>
+              <a:buFont typeface="Arial" pitchFamily="34" charset="0"/>
+              <a:buNone/>
+              <a:defRPr sz="1600" b="1" kern="1200">
+                <a:solidFill>
+                  <a:schemeClr val="tx1">
+                    <a:lumMod val="75000"/>
+                    <a:lumOff val="25000"/>
+                  </a:schemeClr>
+                </a:solidFill>
+                <a:latin typeface="+mn-lt"/>
+                <a:ea typeface="+mn-ea"/>
+                <a:cs typeface="+mn-cs"/>
+              </a:defRPr>
+            </a:lvl6pPr>
+            <a:lvl7pPr marL="2743200" indent="0" algn="l" defTabSz="914400" rtl="0" eaLnBrk="1" latinLnBrk="0" hangingPunct="1">
+              <a:lnSpc>
+                <a:spcPct val="90000"/>
+              </a:lnSpc>
+              <a:spcBef>
+                <a:spcPts val="400"/>
+              </a:spcBef>
+              <a:buSzPct val="100000"/>
+              <a:buFont typeface="Arial" pitchFamily="34" charset="0"/>
+              <a:buNone/>
+              <a:defRPr sz="1600" b="1" kern="1200">
+                <a:solidFill>
+                  <a:schemeClr val="tx1">
+                    <a:lumMod val="75000"/>
+                    <a:lumOff val="25000"/>
+                  </a:schemeClr>
+                </a:solidFill>
+                <a:latin typeface="+mn-lt"/>
+                <a:ea typeface="+mn-ea"/>
+                <a:cs typeface="+mn-cs"/>
+              </a:defRPr>
+            </a:lvl7pPr>
+            <a:lvl8pPr marL="3200400" indent="0" algn="l" defTabSz="914400" rtl="0" eaLnBrk="1" latinLnBrk="0" hangingPunct="1">
+              <a:lnSpc>
+                <a:spcPct val="90000"/>
+              </a:lnSpc>
+              <a:spcBef>
+                <a:spcPts val="400"/>
+              </a:spcBef>
+              <a:buSzPct val="100000"/>
+              <a:buFont typeface="Arial" pitchFamily="34" charset="0"/>
+              <a:buNone/>
+              <a:defRPr sz="1600" b="1" kern="1200">
+                <a:solidFill>
+                  <a:schemeClr val="tx1">
+                    <a:lumMod val="75000"/>
+                    <a:lumOff val="25000"/>
+                  </a:schemeClr>
+                </a:solidFill>
+                <a:latin typeface="+mn-lt"/>
+                <a:ea typeface="+mn-ea"/>
+                <a:cs typeface="+mn-cs"/>
+              </a:defRPr>
+            </a:lvl8pPr>
+            <a:lvl9pPr marL="3657600" indent="0" algn="l" defTabSz="914400" rtl="0" eaLnBrk="1" latinLnBrk="0" hangingPunct="1">
+              <a:lnSpc>
+                <a:spcPct val="90000"/>
+              </a:lnSpc>
+              <a:spcBef>
+                <a:spcPts val="400"/>
+              </a:spcBef>
+              <a:buSzPct val="100000"/>
+              <a:buFont typeface="Arial" pitchFamily="34" charset="0"/>
+              <a:buNone/>
+              <a:defRPr sz="1600" b="1" kern="1200">
+                <a:solidFill>
+                  <a:schemeClr val="tx1">
+                    <a:lumMod val="75000"/>
+                    <a:lumOff val="25000"/>
+                  </a:schemeClr>
+                </a:solidFill>
+                <a:latin typeface="+mn-lt"/>
+                <a:ea typeface="+mn-ea"/>
+                <a:cs typeface="+mn-cs"/>
+              </a:defRPr>
+            </a:lvl9pPr>
+          </a:lstStyle>
+          <a:p>
+            <a:r>
+              <a:rPr lang="en-IE" dirty="0"/>
+              <a:t>Wouldn’t it be great to know that if you get liver cancer, your hospitalization will last only short amount of time, won’t cost you a liver (literally) and treatment would not affect other cells in your body but only the cancer ones?</a:t>
+            </a:r>
+          </a:p>
+          <a:p>
+            <a:r>
+              <a:rPr lang="en-IE" dirty="0"/>
+              <a:t>(By the way, that could be possible thanks to nanomedicine and nanorobots!)</a:t>
+            </a:r>
           </a:p>
         </p:txBody>
       </p:sp>
     </p:spTree>
     <p:extLst>
       <p:ext uri="{BB962C8B-B14F-4D97-AF65-F5344CB8AC3E}">
-        <p14:creationId xmlns:p14="http://schemas.microsoft.com/office/powerpoint/2010/main" val="340359954"/>
+        <p14:creationId xmlns:p14="http://schemas.microsoft.com/office/powerpoint/2010/main" val="839372371"/>
       </p:ext>
     </p:extLst>
   </p:cSld>
   <p:clrMapOvr>
     <a:masterClrMapping/>
   </p:clrMapOvr>
-  <mc:AlternateContent xmlns:mc="http://schemas.openxmlformats.org/markup-compatibility/2006">
-    <mc:Choice xmlns:p14="http://schemas.microsoft.com/office/powerpoint/2010/main" Requires="p14">
+  <mc:AlternateContent xmlns:mc="http://schemas.openxmlformats.org/markup-compatibility/2006" xmlns:p14="http://schemas.microsoft.com/office/powerpoint/2010/main">
+    <mc:Choice Requires="p14">
       <p:transition spd="med" p14:dur="700">
         <p:fade/>
       </p:transition>
     </mc:Choice>
-    <mc:Fallback>
+    <mc:Fallback xmlns="">
       <p:transition spd="med">
         <p:fade/>
       </p:transition>
@@ -10949,16 +11568,19 @@
           <a:bodyPr/>
           <a:lstStyle/>
           <a:p>
-            <a:endParaRPr lang="en-IE" dirty="0"/>
+            <a:r>
+              <a:rPr lang="en-IE" dirty="0"/>
+              <a:t>But first, nanomedicine?</a:t>
+            </a:r>
           </a:p>
         </p:txBody>
       </p:sp>
       <p:sp>
         <p:nvSpPr>
-          <p:cNvPr id="3" name="Text Placeholder 2">
+          <p:cNvPr id="5" name="Text Placeholder 2">
             <a:extLst>
               <a:ext uri="{FF2B5EF4-FFF2-40B4-BE49-F238E27FC236}">
-                <a16:creationId xmlns:a16="http://schemas.microsoft.com/office/drawing/2014/main" id="{E3DFDC8A-BC31-EE20-BB99-9E748B7DFB95}"/>
+                <a16:creationId xmlns:a16="http://schemas.microsoft.com/office/drawing/2014/main" id="{93AA0CC0-3F86-52C2-C6AA-0933ADFFDBEE}"/>
               </a:ext>
             </a:extLst>
           </p:cNvPr>
@@ -10969,37 +11591,444 @@
             <p:ph type="body" idx="1"/>
           </p:nvPr>
         </p:nvSpPr>
-        <p:spPr/>
+        <p:spPr>
+          <a:xfrm>
+            <a:off x="695400" y="1844824"/>
+            <a:ext cx="5256584" cy="864096"/>
+          </a:xfrm>
+        </p:spPr>
         <p:txBody>
           <a:bodyPr/>
           <a:lstStyle/>
           <a:p>
-            <a:endParaRPr lang="en-IE"/>
+            <a:r>
+              <a:rPr lang="en-IE" dirty="0"/>
+              <a:t>Nanotechnology – as the name suggest, it’s all about nanoscale</a:t>
+            </a:r>
           </a:p>
         </p:txBody>
       </p:sp>
       <p:sp>
         <p:nvSpPr>
-          <p:cNvPr id="4" name="Content Placeholder 3">
+          <p:cNvPr id="6" name="Text Placeholder 2">
             <a:extLst>
               <a:ext uri="{FF2B5EF4-FFF2-40B4-BE49-F238E27FC236}">
-                <a16:creationId xmlns:a16="http://schemas.microsoft.com/office/drawing/2014/main" id="{F2290FDC-BDC3-0683-2C54-1340F46A9FFF}"/>
+                <a16:creationId xmlns:a16="http://schemas.microsoft.com/office/drawing/2014/main" id="{6AC66FDC-02A0-BE75-FA75-1B118754AD7D}"/>
               </a:ext>
             </a:extLst>
           </p:cNvPr>
-          <p:cNvSpPr>
-            <a:spLocks noGrp="1"/>
+          <p:cNvSpPr txBox="1">
+            <a:spLocks/>
           </p:cNvSpPr>
-          <p:nvPr>
-            <p:ph sz="half" idx="2"/>
-          </p:nvPr>
+          <p:nvPr/>
         </p:nvSpPr>
-        <p:spPr/>
+        <p:spPr>
+          <a:xfrm>
+            <a:off x="5981149" y="1886485"/>
+            <a:ext cx="4752528" cy="3414723"/>
+          </a:xfrm>
+          <a:prstGeom prst="rect">
+            <a:avLst/>
+          </a:prstGeom>
+        </p:spPr>
         <p:txBody>
-          <a:bodyPr/>
+          <a:bodyPr vert="horz" lIns="91440" tIns="45720" rIns="91440" bIns="45720" rtlCol="0" anchor="ctr">
+            <a:noAutofit/>
+          </a:bodyPr>
+          <a:lstStyle>
+            <a:lvl1pPr marL="0" indent="0" algn="l" defTabSz="914400" rtl="0" eaLnBrk="1" latinLnBrk="0" hangingPunct="1">
+              <a:lnSpc>
+                <a:spcPct val="90000"/>
+              </a:lnSpc>
+              <a:spcBef>
+                <a:spcPts val="1800"/>
+              </a:spcBef>
+              <a:buSzPct val="100000"/>
+              <a:buFont typeface="Arial" pitchFamily="34" charset="0"/>
+              <a:buNone/>
+              <a:defRPr sz="2400" b="0" kern="1200" cap="none" baseline="0">
+                <a:solidFill>
+                  <a:schemeClr val="tx1">
+                    <a:lumMod val="75000"/>
+                    <a:lumOff val="25000"/>
+                  </a:schemeClr>
+                </a:solidFill>
+                <a:latin typeface="+mn-lt"/>
+                <a:ea typeface="+mn-ea"/>
+                <a:cs typeface="+mn-cs"/>
+              </a:defRPr>
+            </a:lvl1pPr>
+            <a:lvl2pPr marL="457200" indent="0" algn="l" defTabSz="914400" rtl="0" eaLnBrk="1" latinLnBrk="0" hangingPunct="1">
+              <a:lnSpc>
+                <a:spcPct val="90000"/>
+              </a:lnSpc>
+              <a:spcBef>
+                <a:spcPts val="600"/>
+              </a:spcBef>
+              <a:buSzPct val="100000"/>
+              <a:buFont typeface="Arial" pitchFamily="34" charset="0"/>
+              <a:buNone/>
+              <a:defRPr sz="2000" b="1" kern="1200">
+                <a:solidFill>
+                  <a:schemeClr val="tx1">
+                    <a:lumMod val="75000"/>
+                    <a:lumOff val="25000"/>
+                  </a:schemeClr>
+                </a:solidFill>
+                <a:latin typeface="+mn-lt"/>
+                <a:ea typeface="+mn-ea"/>
+                <a:cs typeface="+mn-cs"/>
+              </a:defRPr>
+            </a:lvl2pPr>
+            <a:lvl3pPr marL="914400" indent="0" algn="l" defTabSz="914400" rtl="0" eaLnBrk="1" latinLnBrk="0" hangingPunct="1">
+              <a:lnSpc>
+                <a:spcPct val="90000"/>
+              </a:lnSpc>
+              <a:spcBef>
+                <a:spcPts val="600"/>
+              </a:spcBef>
+              <a:buSzPct val="100000"/>
+              <a:buFont typeface="Arial" pitchFamily="34" charset="0"/>
+              <a:buNone/>
+              <a:defRPr sz="1800" b="1" kern="1200">
+                <a:solidFill>
+                  <a:schemeClr val="tx1">
+                    <a:lumMod val="75000"/>
+                    <a:lumOff val="25000"/>
+                  </a:schemeClr>
+                </a:solidFill>
+                <a:latin typeface="+mn-lt"/>
+                <a:ea typeface="+mn-ea"/>
+                <a:cs typeface="+mn-cs"/>
+              </a:defRPr>
+            </a:lvl3pPr>
+            <a:lvl4pPr marL="1371600" indent="0" algn="l" defTabSz="914400" rtl="0" eaLnBrk="1" latinLnBrk="0" hangingPunct="1">
+              <a:lnSpc>
+                <a:spcPct val="90000"/>
+              </a:lnSpc>
+              <a:spcBef>
+                <a:spcPts val="600"/>
+              </a:spcBef>
+              <a:buSzPct val="100000"/>
+              <a:buFont typeface="Arial" pitchFamily="34" charset="0"/>
+              <a:buNone/>
+              <a:defRPr sz="1600" b="1" kern="1200">
+                <a:solidFill>
+                  <a:schemeClr val="tx1">
+                    <a:lumMod val="75000"/>
+                    <a:lumOff val="25000"/>
+                  </a:schemeClr>
+                </a:solidFill>
+                <a:latin typeface="+mn-lt"/>
+                <a:ea typeface="+mn-ea"/>
+                <a:cs typeface="+mn-cs"/>
+              </a:defRPr>
+            </a:lvl4pPr>
+            <a:lvl5pPr marL="1828800" indent="0" algn="l" defTabSz="914400" rtl="0" eaLnBrk="1" latinLnBrk="0" hangingPunct="1">
+              <a:lnSpc>
+                <a:spcPct val="90000"/>
+              </a:lnSpc>
+              <a:spcBef>
+                <a:spcPts val="600"/>
+              </a:spcBef>
+              <a:buSzPct val="100000"/>
+              <a:buFont typeface="Arial" pitchFamily="34" charset="0"/>
+              <a:buNone/>
+              <a:defRPr sz="1600" b="1" kern="1200">
+                <a:solidFill>
+                  <a:schemeClr val="tx1">
+                    <a:lumMod val="75000"/>
+                    <a:lumOff val="25000"/>
+                  </a:schemeClr>
+                </a:solidFill>
+                <a:latin typeface="+mn-lt"/>
+                <a:ea typeface="+mn-ea"/>
+                <a:cs typeface="+mn-cs"/>
+              </a:defRPr>
+            </a:lvl5pPr>
+            <a:lvl6pPr marL="2286000" indent="0" algn="l" defTabSz="914400" rtl="0" eaLnBrk="1" latinLnBrk="0" hangingPunct="1">
+              <a:lnSpc>
+                <a:spcPct val="90000"/>
+              </a:lnSpc>
+              <a:spcBef>
+                <a:spcPts val="400"/>
+              </a:spcBef>
+              <a:buSzPct val="100000"/>
+              <a:buFont typeface="Arial" pitchFamily="34" charset="0"/>
+              <a:buNone/>
+              <a:defRPr sz="1600" b="1" kern="1200">
+                <a:solidFill>
+                  <a:schemeClr val="tx1">
+                    <a:lumMod val="75000"/>
+                    <a:lumOff val="25000"/>
+                  </a:schemeClr>
+                </a:solidFill>
+                <a:latin typeface="+mn-lt"/>
+                <a:ea typeface="+mn-ea"/>
+                <a:cs typeface="+mn-cs"/>
+              </a:defRPr>
+            </a:lvl6pPr>
+            <a:lvl7pPr marL="2743200" indent="0" algn="l" defTabSz="914400" rtl="0" eaLnBrk="1" latinLnBrk="0" hangingPunct="1">
+              <a:lnSpc>
+                <a:spcPct val="90000"/>
+              </a:lnSpc>
+              <a:spcBef>
+                <a:spcPts val="400"/>
+              </a:spcBef>
+              <a:buSzPct val="100000"/>
+              <a:buFont typeface="Arial" pitchFamily="34" charset="0"/>
+              <a:buNone/>
+              <a:defRPr sz="1600" b="1" kern="1200">
+                <a:solidFill>
+                  <a:schemeClr val="tx1">
+                    <a:lumMod val="75000"/>
+                    <a:lumOff val="25000"/>
+                  </a:schemeClr>
+                </a:solidFill>
+                <a:latin typeface="+mn-lt"/>
+                <a:ea typeface="+mn-ea"/>
+                <a:cs typeface="+mn-cs"/>
+              </a:defRPr>
+            </a:lvl7pPr>
+            <a:lvl8pPr marL="3200400" indent="0" algn="l" defTabSz="914400" rtl="0" eaLnBrk="1" latinLnBrk="0" hangingPunct="1">
+              <a:lnSpc>
+                <a:spcPct val="90000"/>
+              </a:lnSpc>
+              <a:spcBef>
+                <a:spcPts val="400"/>
+              </a:spcBef>
+              <a:buSzPct val="100000"/>
+              <a:buFont typeface="Arial" pitchFamily="34" charset="0"/>
+              <a:buNone/>
+              <a:defRPr sz="1600" b="1" kern="1200">
+                <a:solidFill>
+                  <a:schemeClr val="tx1">
+                    <a:lumMod val="75000"/>
+                    <a:lumOff val="25000"/>
+                  </a:schemeClr>
+                </a:solidFill>
+                <a:latin typeface="+mn-lt"/>
+                <a:ea typeface="+mn-ea"/>
+                <a:cs typeface="+mn-cs"/>
+              </a:defRPr>
+            </a:lvl8pPr>
+            <a:lvl9pPr marL="3657600" indent="0" algn="l" defTabSz="914400" rtl="0" eaLnBrk="1" latinLnBrk="0" hangingPunct="1">
+              <a:lnSpc>
+                <a:spcPct val="90000"/>
+              </a:lnSpc>
+              <a:spcBef>
+                <a:spcPts val="400"/>
+              </a:spcBef>
+              <a:buSzPct val="100000"/>
+              <a:buFont typeface="Arial" pitchFamily="34" charset="0"/>
+              <a:buNone/>
+              <a:defRPr sz="1600" b="1" kern="1200">
+                <a:solidFill>
+                  <a:schemeClr val="tx1">
+                    <a:lumMod val="75000"/>
+                    <a:lumOff val="25000"/>
+                  </a:schemeClr>
+                </a:solidFill>
+                <a:latin typeface="+mn-lt"/>
+                <a:ea typeface="+mn-ea"/>
+                <a:cs typeface="+mn-cs"/>
+              </a:defRPr>
+            </a:lvl9pPr>
+          </a:lstStyle>
+          <a:p>
+            <a:endParaRPr lang="en-IE" dirty="0"/>
+          </a:p>
+        </p:txBody>
+      </p:sp>
+      <p:pic>
+        <p:nvPicPr>
+          <p:cNvPr id="8" name="Picture 7" descr="A screenshot of a cell phone&#10;&#10;Description automatically generated">
+            <a:extLst>
+              <a:ext uri="{FF2B5EF4-FFF2-40B4-BE49-F238E27FC236}">
+                <a16:creationId xmlns:a16="http://schemas.microsoft.com/office/drawing/2014/main" id="{2989F9E8-D95D-7859-C7B7-D1CB564CC8F5}"/>
+              </a:ext>
+            </a:extLst>
+          </p:cNvPr>
+          <p:cNvPicPr>
+            <a:picLocks noChangeAspect="1"/>
+          </p:cNvPicPr>
+          <p:nvPr/>
+        </p:nvPicPr>
+        <p:blipFill>
+          <a:blip r:embed="rId2">
+            <a:extLst>
+              <a:ext uri="{28A0092B-C50C-407E-A947-70E740481C1C}">
+                <a14:useLocalDpi xmlns:a14="http://schemas.microsoft.com/office/drawing/2010/main" val="0"/>
+              </a:ext>
+            </a:extLst>
+          </a:blip>
+          <a:stretch>
+            <a:fillRect/>
+          </a:stretch>
+        </p:blipFill>
+        <p:spPr>
+          <a:xfrm>
+            <a:off x="5663952" y="1851493"/>
+            <a:ext cx="5151951" cy="4082932"/>
+          </a:xfrm>
+          <a:prstGeom prst="rect">
+            <a:avLst/>
+          </a:prstGeom>
+        </p:spPr>
+      </p:pic>
+      <p:pic>
+        <p:nvPicPr>
+          <p:cNvPr id="10" name="Picture 9" descr="A diagram of different types of molecules&#10;&#10;Description automatically generated">
+            <a:extLst>
+              <a:ext uri="{FF2B5EF4-FFF2-40B4-BE49-F238E27FC236}">
+                <a16:creationId xmlns:a16="http://schemas.microsoft.com/office/drawing/2014/main" id="{A4FC9517-B116-DE52-EC84-149EC8AAD7DC}"/>
+              </a:ext>
+            </a:extLst>
+          </p:cNvPr>
+          <p:cNvPicPr>
+            <a:picLocks noChangeAspect="1"/>
+          </p:cNvPicPr>
+          <p:nvPr/>
+        </p:nvPicPr>
+        <p:blipFill>
+          <a:blip r:embed="rId3">
+            <a:extLst>
+              <a:ext uri="{28A0092B-C50C-407E-A947-70E740481C1C}">
+                <a14:useLocalDpi xmlns:a14="http://schemas.microsoft.com/office/drawing/2010/main" val="0"/>
+              </a:ext>
+            </a:extLst>
+          </a:blip>
+          <a:stretch>
+            <a:fillRect/>
+          </a:stretch>
+        </p:blipFill>
+        <p:spPr>
+          <a:xfrm>
+            <a:off x="983432" y="2934339"/>
+            <a:ext cx="3923378" cy="3618650"/>
+          </a:xfrm>
+          <a:prstGeom prst="rect">
+            <a:avLst/>
+          </a:prstGeom>
+        </p:spPr>
+      </p:pic>
+      <p:sp>
+        <p:nvSpPr>
+          <p:cNvPr id="11" name="TextBox 10">
+            <a:extLst>
+              <a:ext uri="{FF2B5EF4-FFF2-40B4-BE49-F238E27FC236}">
+                <a16:creationId xmlns:a16="http://schemas.microsoft.com/office/drawing/2014/main" id="{20CF682B-E36B-1AA6-D295-66BD14FE8A2A}"/>
+              </a:ext>
+            </a:extLst>
+          </p:cNvPr>
+          <p:cNvSpPr txBox="1"/>
+          <p:nvPr/>
+        </p:nvSpPr>
+        <p:spPr>
+          <a:xfrm>
+            <a:off x="5951984" y="5969417"/>
+            <a:ext cx="4104456" cy="553998"/>
+          </a:xfrm>
+          <a:prstGeom prst="rect">
+            <a:avLst/>
+          </a:prstGeom>
+          <a:noFill/>
+        </p:spPr>
+        <p:txBody>
+          <a:bodyPr wrap="square" rtlCol="0">
+            <a:spAutoFit/>
+          </a:bodyPr>
           <a:lstStyle/>
           <a:p>
-            <a:endParaRPr lang="en-IE"/>
+            <a:r>
+              <a:rPr lang="el-GR" sz="1000" dirty="0">
+                <a:solidFill>
+                  <a:schemeClr val="tx1">
+                    <a:lumMod val="75000"/>
+                    <a:lumOff val="25000"/>
+                  </a:schemeClr>
+                </a:solidFill>
+              </a:rPr>
+              <a:t>μ</a:t>
+            </a:r>
+            <a:r>
+              <a:rPr lang="en-GB" sz="1000" dirty="0">
+                <a:solidFill>
+                  <a:schemeClr val="tx1">
+                    <a:lumMod val="75000"/>
+                    <a:lumOff val="25000"/>
+                  </a:schemeClr>
+                </a:solidFill>
+              </a:rPr>
+              <a:t>m – microns</a:t>
+            </a:r>
+          </a:p>
+          <a:p>
+            <a:r>
+              <a:rPr lang="en-GB" sz="1000" dirty="0">
+                <a:solidFill>
+                  <a:schemeClr val="tx1">
+                    <a:lumMod val="75000"/>
+                    <a:lumOff val="25000"/>
+                  </a:schemeClr>
+                </a:solidFill>
+              </a:rPr>
+              <a:t>nm – </a:t>
+            </a:r>
+            <a:r>
+              <a:rPr lang="en-GB" sz="1000" dirty="0" err="1">
+                <a:solidFill>
+                  <a:schemeClr val="tx1">
+                    <a:lumMod val="75000"/>
+                    <a:lumOff val="25000"/>
+                  </a:schemeClr>
+                </a:solidFill>
+              </a:rPr>
+              <a:t>nanometer</a:t>
+            </a:r>
+            <a:endParaRPr lang="en-GB" sz="1000" dirty="0">
+              <a:solidFill>
+                <a:schemeClr val="tx1">
+                  <a:lumMod val="75000"/>
+                  <a:lumOff val="25000"/>
+                </a:schemeClr>
+              </a:solidFill>
+            </a:endParaRPr>
+          </a:p>
+          <a:p>
+            <a:r>
+              <a:rPr lang="en-GB" sz="1000" dirty="0">
+                <a:solidFill>
+                  <a:schemeClr val="tx1">
+                    <a:lumMod val="75000"/>
+                    <a:lumOff val="25000"/>
+                  </a:schemeClr>
+                </a:solidFill>
+              </a:rPr>
+              <a:t>Nanomaterials – from 1 to 100nm, 100 nm = 0.1</a:t>
+            </a:r>
+            <a:r>
+              <a:rPr lang="el-GR" sz="1000" dirty="0">
+                <a:solidFill>
+                  <a:schemeClr val="tx1">
+                    <a:lumMod val="75000"/>
+                    <a:lumOff val="25000"/>
+                  </a:schemeClr>
+                </a:solidFill>
+              </a:rPr>
+              <a:t> μ</a:t>
+            </a:r>
+            <a:r>
+              <a:rPr lang="en-GB" sz="1000" dirty="0">
+                <a:solidFill>
+                  <a:schemeClr val="tx1">
+                    <a:lumMod val="75000"/>
+                    <a:lumOff val="25000"/>
+                  </a:schemeClr>
+                </a:solidFill>
+              </a:rPr>
+              <a:t>m </a:t>
+            </a:r>
           </a:p>
         </p:txBody>
       </p:sp>
@@ -11013,13 +12042,13 @@
   <p:clrMapOvr>
     <a:masterClrMapping/>
   </p:clrMapOvr>
-  <mc:AlternateContent xmlns:mc="http://schemas.openxmlformats.org/markup-compatibility/2006">
-    <mc:Choice xmlns:p14="http://schemas.microsoft.com/office/powerpoint/2010/main" Requires="p14">
+  <mc:AlternateContent xmlns:mc="http://schemas.openxmlformats.org/markup-compatibility/2006" xmlns:p14="http://schemas.microsoft.com/office/powerpoint/2010/main">
+    <mc:Choice Requires="p14">
       <p:transition spd="med" p14:dur="700">
         <p:fade/>
       </p:transition>
     </mc:Choice>
-    <mc:Fallback>
+    <mc:Fallback xmlns="">
       <p:transition spd="med">
         <p:fade/>
       </p:transition>
@@ -11047,7 +12076,13 @@
       </p:grpSpPr>
       <p:sp>
         <p:nvSpPr>
-          <p:cNvPr id="2" name="Title 1"/>
+          <p:cNvPr id="2" name="Title 1">
+            <a:extLst>
+              <a:ext uri="{FF2B5EF4-FFF2-40B4-BE49-F238E27FC236}">
+                <a16:creationId xmlns:a16="http://schemas.microsoft.com/office/drawing/2014/main" id="{2EF61792-3E2A-B62E-E719-93DBE3277E63}"/>
+              </a:ext>
+            </a:extLst>
+          </p:cNvPr>
           <p:cNvSpPr>
             <a:spLocks noGrp="1"/>
           </p:cNvSpPr>
@@ -11061,127 +12096,46 @@
           <a:lstStyle/>
           <a:p>
             <a:r>
-              <a:rPr lang="en-US" dirty="0"/>
-              <a:t>Bibliography</a:t>
+              <a:rPr lang="en-IE" dirty="0"/>
+              <a:t>Nanomaterials?</a:t>
             </a:r>
           </a:p>
         </p:txBody>
       </p:sp>
       <p:sp>
         <p:nvSpPr>
-          <p:cNvPr id="3" name="TextBox 2">
+          <p:cNvPr id="5" name="Text Placeholder 2">
             <a:extLst>
               <a:ext uri="{FF2B5EF4-FFF2-40B4-BE49-F238E27FC236}">
-                <a16:creationId xmlns:a16="http://schemas.microsoft.com/office/drawing/2014/main" id="{57F23AF2-9605-E9F1-E373-C2D6A9F869FE}"/>
+                <a16:creationId xmlns:a16="http://schemas.microsoft.com/office/drawing/2014/main" id="{93AA0CC0-3F86-52C2-C6AA-0933ADFFDBEE}"/>
               </a:ext>
             </a:extLst>
           </p:cNvPr>
-          <p:cNvSpPr txBox="1"/>
-          <p:nvPr/>
+          <p:cNvSpPr>
+            <a:spLocks noGrp="1"/>
+          </p:cNvSpPr>
+          <p:nvPr>
+            <p:ph type="body" idx="1"/>
+          </p:nvPr>
         </p:nvSpPr>
         <p:spPr>
           <a:xfrm>
-            <a:off x="947428" y="2060848"/>
-            <a:ext cx="10297144" cy="4247317"/>
+            <a:off x="695400" y="1844824"/>
+            <a:ext cx="5256584" cy="3816424"/>
           </a:xfrm>
-          <a:prstGeom prst="rect">
-            <a:avLst/>
-          </a:prstGeom>
-          <a:noFill/>
         </p:spPr>
         <p:txBody>
-          <a:bodyPr wrap="square" rtlCol="0">
-            <a:spAutoFit/>
-          </a:bodyPr>
+          <a:bodyPr/>
           <a:lstStyle/>
           <a:p>
             <a:r>
-              <a:rPr lang="en-IE" dirty="0">
-                <a:hlinkClick r:id="rId2"/>
-              </a:rPr>
-              <a:t>https://builtin.com/healthcare-technology</a:t>
-            </a:r>
-            <a:r>
               <a:rPr lang="en-IE" dirty="0"/>
-              <a:t> – Slide 2</a:t>
-            </a:r>
-          </a:p>
-          <a:p>
-            <a:endParaRPr lang="en-IE" dirty="0"/>
-          </a:p>
-          <a:p>
-            <a:r>
-              <a:rPr lang="en-IE" dirty="0">
-                <a:hlinkClick r:id="rId3"/>
-              </a:rPr>
-              <a:t>https://www.umhs-sk.org/blog/medical-milestones-invention-x-ray#:~:text=The%20technology%20behind%20the%20X,1895%20by%20Wilhelm%20Conrad%20R%C3%B6ntgen</a:t>
-            </a:r>
-            <a:r>
-              <a:rPr lang="en-IE" dirty="0"/>
-              <a:t>. – Slide 6</a:t>
-            </a:r>
-          </a:p>
-          <a:p>
-            <a:endParaRPr lang="en-IE" dirty="0"/>
-          </a:p>
-          <a:p>
-            <a:r>
-              <a:rPr lang="en-IE" dirty="0">
-                <a:hlinkClick r:id="rId4"/>
-              </a:rPr>
-              <a:t>https://unsplash.com/s/photos/x-ray</a:t>
-            </a:r>
-            <a:r>
-              <a:rPr lang="en-IE" dirty="0"/>
-              <a:t> – Slide 6</a:t>
-            </a:r>
-          </a:p>
-          <a:p>
-            <a:endParaRPr lang="en-IE" dirty="0"/>
-          </a:p>
-          <a:p>
-            <a:r>
-              <a:rPr lang="en-IE" dirty="0">
-                <a:hlinkClick r:id="rId5"/>
-              </a:rPr>
-              <a:t>https://www.pfizer.com/news/articles/flashback_the_first_ecg#:~:text=Willem%20Einthoven%20found%20the%20beat,that%20a%20human%20heart%20creates</a:t>
-            </a:r>
-            <a:r>
-              <a:rPr lang="en-IE" dirty="0"/>
-              <a:t>. – Slide 7</a:t>
-            </a:r>
-          </a:p>
-          <a:p>
-            <a:endParaRPr lang="en-IE" dirty="0"/>
-          </a:p>
-          <a:p>
-            <a:r>
-              <a:rPr lang="en-IE" dirty="0">
-                <a:hlinkClick r:id="rId6"/>
-              </a:rPr>
-              <a:t>https://unsplash.com/s/photos/heart</a:t>
-            </a:r>
-            <a:r>
-              <a:rPr lang="en-IE" dirty="0"/>
-              <a:t> – Slide 7</a:t>
-            </a:r>
-          </a:p>
-          <a:p>
-            <a:endParaRPr lang="en-IE" dirty="0"/>
-          </a:p>
-          <a:p>
-            <a:r>
-              <a:rPr lang="en-IE" dirty="0">
-                <a:hlinkClick r:id="rId7"/>
-              </a:rPr>
-              <a:t>https://unsplash.com/s/photos/electrocardiogram</a:t>
-            </a:r>
-            <a:r>
-              <a:rPr lang="en-IE" dirty="0"/>
-              <a:t> – Slide 7</a:t>
-            </a:r>
-          </a:p>
-          <a:p>
+              <a:t>*list couple nanomaterials and explain them, also nanorobots </a:t>
+            </a:r>
+            <a:r>
+              <a:rPr lang="en-IE"/>
+              <a:t>are nanomaterial too*</a:t>
+            </a:r>
             <a:endParaRPr lang="en-IE" dirty="0"/>
           </a:p>
         </p:txBody>
@@ -11189,7 +12143,7 @@
     </p:spTree>
     <p:extLst>
       <p:ext uri="{BB962C8B-B14F-4D97-AF65-F5344CB8AC3E}">
-        <p14:creationId xmlns:p14="http://schemas.microsoft.com/office/powerpoint/2010/main" val="547100618"/>
+        <p14:creationId xmlns:p14="http://schemas.microsoft.com/office/powerpoint/2010/main" val="3248653786"/>
       </p:ext>
     </p:extLst>
   </p:cSld>
@@ -11230,7 +12184,13 @@
       </p:grpSpPr>
       <p:sp>
         <p:nvSpPr>
-          <p:cNvPr id="2" name="Title 1"/>
+          <p:cNvPr id="2" name="Title 1">
+            <a:extLst>
+              <a:ext uri="{FF2B5EF4-FFF2-40B4-BE49-F238E27FC236}">
+                <a16:creationId xmlns:a16="http://schemas.microsoft.com/office/drawing/2014/main" id="{2EF61792-3E2A-B62E-E719-93DBE3277E63}"/>
+              </a:ext>
+            </a:extLst>
+          </p:cNvPr>
           <p:cNvSpPr>
             <a:spLocks noGrp="1"/>
           </p:cNvSpPr>
@@ -11238,143 +12198,162 @@
             <p:ph type="title"/>
           </p:nvPr>
         </p:nvSpPr>
-        <p:spPr/>
+        <p:spPr>
+          <a:xfrm>
+            <a:off x="1066800" y="99220"/>
+            <a:ext cx="10058400" cy="1325563"/>
+          </a:xfrm>
+        </p:spPr>
         <p:txBody>
-          <a:bodyPr/>
+          <a:bodyPr anchor="ctr">
+            <a:normAutofit/>
+          </a:bodyPr>
           <a:lstStyle/>
           <a:p>
             <a:r>
-              <a:rPr lang="en-US" dirty="0"/>
-              <a:t>Bibliography</a:t>
+              <a:rPr lang="en-IE" dirty="0"/>
+              <a:t>Nanotechnology – what’s the point?</a:t>
             </a:r>
           </a:p>
         </p:txBody>
       </p:sp>
       <p:sp>
         <p:nvSpPr>
-          <p:cNvPr id="3" name="TextBox 2">
+          <p:cNvPr id="5" name="Text Placeholder 2">
             <a:extLst>
               <a:ext uri="{FF2B5EF4-FFF2-40B4-BE49-F238E27FC236}">
-                <a16:creationId xmlns:a16="http://schemas.microsoft.com/office/drawing/2014/main" id="{57F23AF2-9605-E9F1-E373-C2D6A9F869FE}"/>
+                <a16:creationId xmlns:a16="http://schemas.microsoft.com/office/drawing/2014/main" id="{93AA0CC0-3F86-52C2-C6AA-0933ADFFDBEE}"/>
               </a:ext>
             </a:extLst>
           </p:cNvPr>
-          <p:cNvSpPr txBox="1"/>
-          <p:nvPr/>
+          <p:cNvSpPr>
+            <a:spLocks noGrp="1"/>
+          </p:cNvSpPr>
+          <p:nvPr>
+            <p:ph sz="half" idx="1"/>
+          </p:nvPr>
         </p:nvSpPr>
         <p:spPr>
           <a:xfrm>
-            <a:off x="947428" y="1933733"/>
-            <a:ext cx="10297144" cy="4247317"/>
+            <a:off x="1066800" y="1825624"/>
+            <a:ext cx="4800600" cy="4575175"/>
+          </a:xfrm>
+        </p:spPr>
+        <p:txBody>
+          <a:bodyPr>
+            <a:normAutofit/>
+          </a:bodyPr>
+          <a:lstStyle/>
+          <a:p>
+            <a:pPr marL="0" indent="0">
+              <a:buNone/>
+            </a:pPr>
+            <a:r>
+              <a:rPr lang="en-IE" b="1" dirty="0"/>
+              <a:t>To help people!</a:t>
+            </a:r>
+          </a:p>
+          <a:p>
+            <a:pPr marL="0" indent="0">
+              <a:buNone/>
+            </a:pPr>
+            <a:r>
+              <a:rPr lang="en-IE" dirty="0"/>
+              <a:t>But more precisely nanotechnology helps in:</a:t>
+            </a:r>
+          </a:p>
+          <a:p>
+            <a:pPr marL="342900" indent="-342900">
+              <a:buFont typeface="Arial" panose="020B0604020202020204" pitchFamily="34" charset="0"/>
+              <a:buChar char="▪"/>
+            </a:pPr>
+            <a:r>
+              <a:rPr lang="en-IE" dirty="0"/>
+              <a:t>Delivering medication directly to specific cells</a:t>
+            </a:r>
+          </a:p>
+          <a:p>
+            <a:pPr marL="342900" indent="-342900">
+              <a:buFont typeface="Arial" panose="020B0604020202020204" pitchFamily="34" charset="0"/>
+              <a:buChar char="▪"/>
+            </a:pPr>
+            <a:r>
+              <a:rPr lang="en-IE" dirty="0"/>
+              <a:t>Accurately detecting diseases, such as cancer</a:t>
+            </a:r>
+          </a:p>
+          <a:p>
+            <a:pPr marL="342900" indent="-342900">
+              <a:buFont typeface="Arial" panose="020B0604020202020204" pitchFamily="34" charset="0"/>
+              <a:buChar char="▪"/>
+            </a:pPr>
+            <a:r>
+              <a:rPr lang="en-IE" dirty="0"/>
+              <a:t>Regeneration of tissues/organs</a:t>
+            </a:r>
+          </a:p>
+          <a:p>
+            <a:pPr marL="342900" indent="-342900">
+              <a:buFont typeface="Arial" panose="020B0604020202020204" pitchFamily="34" charset="0"/>
+              <a:buChar char="▪"/>
+            </a:pPr>
+            <a:endParaRPr lang="en-IE" dirty="0"/>
+          </a:p>
+        </p:txBody>
+      </p:sp>
+      <p:pic>
+        <p:nvPicPr>
+          <p:cNvPr id="4" name="Picture 3" descr="A robot attacking a virus&#10;&#10;Description automatically generated">
+            <a:extLst>
+              <a:ext uri="{FF2B5EF4-FFF2-40B4-BE49-F238E27FC236}">
+                <a16:creationId xmlns:a16="http://schemas.microsoft.com/office/drawing/2014/main" id="{8E1756C9-D491-710D-A6A1-64B06485B1D5}"/>
+              </a:ext>
+            </a:extLst>
+          </p:cNvPr>
+          <p:cNvPicPr>
+            <a:picLocks noChangeAspect="1"/>
+          </p:cNvPicPr>
+          <p:nvPr/>
+        </p:nvPicPr>
+        <p:blipFill rotWithShape="1">
+          <a:blip r:embed="rId2">
+            <a:extLst>
+              <a:ext uri="{28A0092B-C50C-407E-A947-70E740481C1C}">
+                <a14:useLocalDpi xmlns:a14="http://schemas.microsoft.com/office/drawing/2010/main" val="0"/>
+              </a:ext>
+            </a:extLst>
+          </a:blip>
+          <a:srcRect l="22966" r="8309" b="3"/>
+          <a:stretch/>
+        </p:blipFill>
+        <p:spPr>
+          <a:xfrm>
+            <a:off x="6324600" y="1825624"/>
+            <a:ext cx="4800600" cy="4575175"/>
           </a:xfrm>
           <a:prstGeom prst="rect">
             <a:avLst/>
           </a:prstGeom>
           <a:noFill/>
         </p:spPr>
-        <p:txBody>
-          <a:bodyPr wrap="square" rtlCol="0">
-            <a:spAutoFit/>
-          </a:bodyPr>
-          <a:lstStyle/>
-          <a:p>
-            <a:r>
-              <a:rPr lang="en-IE" dirty="0">
-                <a:hlinkClick r:id="rId2"/>
-              </a:rPr>
-              <a:t>https://catalinaimaging.com/history-ct-scan/#:~:text=The%20first%20commercially%20available%20CT,Prize%20in%20Physiology%20and%20Medicine</a:t>
-            </a:r>
-            <a:r>
-              <a:rPr lang="en-IE" dirty="0"/>
-              <a:t> – Slide 8</a:t>
-            </a:r>
-          </a:p>
-          <a:p>
-            <a:endParaRPr lang="en-IE" dirty="0">
-              <a:hlinkClick r:id="rId3"/>
-            </a:endParaRPr>
-          </a:p>
-          <a:p>
-            <a:endParaRPr lang="en-IE" dirty="0">
-              <a:hlinkClick r:id="rId3"/>
-            </a:endParaRPr>
-          </a:p>
-          <a:p>
-            <a:r>
-              <a:rPr lang="en-IE" dirty="0">
-                <a:hlinkClick r:id="rId3"/>
-              </a:rPr>
-              <a:t>https://unsplash.com/s/photos/CT-scan</a:t>
-            </a:r>
-            <a:r>
-              <a:rPr lang="en-IE" dirty="0"/>
-              <a:t> - Slide 8</a:t>
-            </a:r>
-          </a:p>
-          <a:p>
-            <a:endParaRPr lang="en-IE" dirty="0"/>
-          </a:p>
-          <a:p>
-            <a:r>
-              <a:rPr lang="en-IE" dirty="0">
-                <a:hlinkClick r:id="rId4"/>
-              </a:rPr>
-              <a:t>https://www.nethealth.com/blog/the-history-of-electronic-health-records-ehrs/#:~:text=The%20history%20of%20EHRs%20and,systems%20to%20adopt%20an%20EHR.&amp;text=In%20the%201960s%2C%20EMR%20programs,in%20partnership%20with%20health%20organizations</a:t>
-            </a:r>
-            <a:r>
-              <a:rPr lang="en-IE" dirty="0"/>
-              <a:t>. – Slide 9</a:t>
-            </a:r>
-          </a:p>
-          <a:p>
-            <a:endParaRPr lang="en-IE" dirty="0"/>
-          </a:p>
-          <a:p>
-            <a:r>
-              <a:rPr lang="en-IE" dirty="0">
-                <a:hlinkClick r:id="rId5"/>
-              </a:rPr>
-              <a:t>https://unsplash.com/s/photos/files</a:t>
-            </a:r>
-            <a:r>
-              <a:rPr lang="en-IE" dirty="0"/>
-              <a:t> – Slide 9</a:t>
-            </a:r>
-          </a:p>
-          <a:p>
-            <a:endParaRPr lang="en-IE" dirty="0"/>
-          </a:p>
-          <a:p>
-            <a:r>
-              <a:rPr lang="en-IE" dirty="0">
-                <a:hlinkClick r:id="rId6"/>
-              </a:rPr>
-              <a:t>https://unsplash.com/s/photos/hospital-records</a:t>
-            </a:r>
-            <a:r>
-              <a:rPr lang="en-IE" dirty="0"/>
-              <a:t> – Slide 9</a:t>
-            </a:r>
-          </a:p>
-        </p:txBody>
-      </p:sp>
+      </p:pic>
     </p:spTree>
     <p:extLst>
       <p:ext uri="{BB962C8B-B14F-4D97-AF65-F5344CB8AC3E}">
-        <p14:creationId xmlns:p14="http://schemas.microsoft.com/office/powerpoint/2010/main" val="3498104636"/>
+        <p14:creationId xmlns:p14="http://schemas.microsoft.com/office/powerpoint/2010/main" val="1627205357"/>
       </p:ext>
     </p:extLst>
   </p:cSld>
   <p:clrMapOvr>
     <a:masterClrMapping/>
   </p:clrMapOvr>
-  <mc:AlternateContent xmlns:mc="http://schemas.openxmlformats.org/markup-compatibility/2006">
-    <mc:Choice xmlns:p14="http://schemas.microsoft.com/office/powerpoint/2010/main" Requires="p14">
+  <mc:AlternateContent xmlns:mc="http://schemas.openxmlformats.org/markup-compatibility/2006" xmlns:p14="http://schemas.microsoft.com/office/powerpoint/2010/main">
+    <mc:Choice Requires="p14">
       <p:transition spd="med" p14:dur="700">
         <p:fade/>
       </p:transition>
     </mc:Choice>
-    <mc:Fallback>
+    <mc:Fallback xmlns="">
       <p:transition spd="med">
         <p:fade/>
       </p:transition>
@@ -11384,6 +12363,166 @@
 </file>
 
 <file path=ppt/slides/slide16.xml><?xml version="1.0" encoding="utf-8"?>
+<p:sld xmlns:a="http://schemas.openxmlformats.org/drawingml/2006/main" xmlns:r="http://schemas.openxmlformats.org/officeDocument/2006/relationships" xmlns:p="http://schemas.openxmlformats.org/presentationml/2006/main">
+  <p:cSld>
+    <p:spTree>
+      <p:nvGrpSpPr>
+        <p:cNvPr id="1" name=""/>
+        <p:cNvGrpSpPr/>
+        <p:nvPr/>
+      </p:nvGrpSpPr>
+      <p:grpSpPr>
+        <a:xfrm>
+          <a:off x="0" y="0"/>
+          <a:ext cx="0" cy="0"/>
+          <a:chOff x="0" y="0"/>
+          <a:chExt cx="0" cy="0"/>
+        </a:xfrm>
+      </p:grpSpPr>
+      <p:sp>
+        <p:nvSpPr>
+          <p:cNvPr id="2" name="Title 1">
+            <a:extLst>
+              <a:ext uri="{FF2B5EF4-FFF2-40B4-BE49-F238E27FC236}">
+                <a16:creationId xmlns:a16="http://schemas.microsoft.com/office/drawing/2014/main" id="{2EF61792-3E2A-B62E-E719-93DBE3277E63}"/>
+              </a:ext>
+            </a:extLst>
+          </p:cNvPr>
+          <p:cNvSpPr>
+            <a:spLocks noGrp="1"/>
+          </p:cNvSpPr>
+          <p:nvPr>
+            <p:ph type="title"/>
+          </p:nvPr>
+        </p:nvSpPr>
+        <p:spPr>
+          <a:xfrm>
+            <a:off x="1066800" y="99220"/>
+            <a:ext cx="10058400" cy="1325563"/>
+          </a:xfrm>
+        </p:spPr>
+        <p:txBody>
+          <a:bodyPr anchor="ctr">
+            <a:normAutofit/>
+          </a:bodyPr>
+          <a:lstStyle/>
+          <a:p>
+            <a:r>
+              <a:rPr lang="en-IE" dirty="0"/>
+              <a:t>Nanorobotics</a:t>
+            </a:r>
+          </a:p>
+        </p:txBody>
+      </p:sp>
+      <p:pic>
+        <p:nvPicPr>
+          <p:cNvPr id="10" name="Picture 9" descr="A light bulb in the middle of a dna strand&#10;&#10;Description automatically generated">
+            <a:extLst>
+              <a:ext uri="{FF2B5EF4-FFF2-40B4-BE49-F238E27FC236}">
+                <a16:creationId xmlns:a16="http://schemas.microsoft.com/office/drawing/2014/main" id="{03A4B141-7A06-88A6-7BB8-E7F1991AB152}"/>
+              </a:ext>
+            </a:extLst>
+          </p:cNvPr>
+          <p:cNvPicPr>
+            <a:picLocks noChangeAspect="1"/>
+          </p:cNvPicPr>
+          <p:nvPr/>
+        </p:nvPicPr>
+        <p:blipFill rotWithShape="1">
+          <a:blip r:embed="rId2">
+            <a:extLst>
+              <a:ext uri="{28A0092B-C50C-407E-A947-70E740481C1C}">
+                <a14:useLocalDpi xmlns:a14="http://schemas.microsoft.com/office/drawing/2010/main" val="0"/>
+              </a:ext>
+            </a:extLst>
+          </a:blip>
+          <a:srcRect l="2583" r="18724" b="3"/>
+          <a:stretch/>
+        </p:blipFill>
+        <p:spPr>
+          <a:xfrm>
+            <a:off x="1066800" y="1825624"/>
+            <a:ext cx="4800600" cy="4575175"/>
+          </a:xfrm>
+          <a:prstGeom prst="rect">
+            <a:avLst/>
+          </a:prstGeom>
+          <a:noFill/>
+        </p:spPr>
+      </p:pic>
+      <p:sp>
+        <p:nvSpPr>
+          <p:cNvPr id="5" name="Text Placeholder 2">
+            <a:extLst>
+              <a:ext uri="{FF2B5EF4-FFF2-40B4-BE49-F238E27FC236}">
+                <a16:creationId xmlns:a16="http://schemas.microsoft.com/office/drawing/2014/main" id="{93AA0CC0-3F86-52C2-C6AA-0933ADFFDBEE}"/>
+              </a:ext>
+            </a:extLst>
+          </p:cNvPr>
+          <p:cNvSpPr>
+            <a:spLocks noGrp="1"/>
+          </p:cNvSpPr>
+          <p:nvPr>
+            <p:ph sz="half" idx="2"/>
+          </p:nvPr>
+        </p:nvSpPr>
+        <p:spPr>
+          <a:xfrm>
+            <a:off x="6324600" y="1825624"/>
+            <a:ext cx="4800600" cy="4575175"/>
+          </a:xfrm>
+        </p:spPr>
+        <p:txBody>
+          <a:bodyPr>
+            <a:normAutofit/>
+          </a:bodyPr>
+          <a:lstStyle/>
+          <a:p>
+            <a:pPr marL="0" indent="0">
+              <a:buNone/>
+            </a:pPr>
+            <a:r>
+              <a:rPr lang="en-IE" dirty="0"/>
+              <a:t>When talking about nanomedicine and nanomaterials we can’t forget about nanorobots!</a:t>
+            </a:r>
+          </a:p>
+          <a:p>
+            <a:pPr marL="0" indent="0">
+              <a:buNone/>
+            </a:pPr>
+            <a:r>
+              <a:rPr lang="en-IE" dirty="0"/>
+              <a:t>Small, teeny tiny machines which could navigate through your body delivering drugs, clearing blockages or even performing surgeries.</a:t>
+            </a:r>
+          </a:p>
+        </p:txBody>
+      </p:sp>
+    </p:spTree>
+    <p:extLst>
+      <p:ext uri="{BB962C8B-B14F-4D97-AF65-F5344CB8AC3E}">
+        <p14:creationId xmlns:p14="http://schemas.microsoft.com/office/powerpoint/2010/main" val="2172357692"/>
+      </p:ext>
+    </p:extLst>
+  </p:cSld>
+  <p:clrMapOvr>
+    <a:masterClrMapping/>
+  </p:clrMapOvr>
+  <mc:AlternateContent xmlns:mc="http://schemas.openxmlformats.org/markup-compatibility/2006" xmlns:p14="http://schemas.microsoft.com/office/powerpoint/2010/main">
+    <mc:Choice Requires="p14">
+      <p:transition spd="med" p14:dur="700">
+        <p:fade/>
+      </p:transition>
+    </mc:Choice>
+    <mc:Fallback xmlns="">
+      <p:transition spd="med">
+        <p:fade/>
+      </p:transition>
+    </mc:Fallback>
+  </mc:AlternateContent>
+</p:sld>
+</file>
+
+<file path=ppt/slides/slide17.xml><?xml version="1.0" encoding="utf-8"?>
 <p:sld xmlns:a="http://schemas.openxmlformats.org/drawingml/2006/main" xmlns:r="http://schemas.openxmlformats.org/officeDocument/2006/relationships" xmlns:p="http://schemas.openxmlformats.org/presentationml/2006/main">
   <p:cSld>
     <p:spTree>
@@ -11436,6 +12575,361 @@
         </p:nvSpPr>
         <p:spPr>
           <a:xfrm>
+            <a:off x="947428" y="2060848"/>
+            <a:ext cx="10297144" cy="4247317"/>
+          </a:xfrm>
+          <a:prstGeom prst="rect">
+            <a:avLst/>
+          </a:prstGeom>
+          <a:noFill/>
+        </p:spPr>
+        <p:txBody>
+          <a:bodyPr wrap="square" rtlCol="0">
+            <a:spAutoFit/>
+          </a:bodyPr>
+          <a:lstStyle/>
+          <a:p>
+            <a:r>
+              <a:rPr lang="en-IE" dirty="0">
+                <a:hlinkClick r:id="rId2"/>
+              </a:rPr>
+              <a:t>https://builtin.com/healthcare-technology</a:t>
+            </a:r>
+            <a:r>
+              <a:rPr lang="en-IE" dirty="0"/>
+              <a:t> – Slide 2</a:t>
+            </a:r>
+          </a:p>
+          <a:p>
+            <a:endParaRPr lang="en-IE" dirty="0"/>
+          </a:p>
+          <a:p>
+            <a:r>
+              <a:rPr lang="en-IE" dirty="0">
+                <a:hlinkClick r:id="rId3"/>
+              </a:rPr>
+              <a:t>https://www.umhs-sk.org/blog/medical-milestones-invention-x-ray#:~:text=The%20technology%20behind%20the%20X,1895%20by%20Wilhelm%20Conrad%20R%C3%B6ntgen</a:t>
+            </a:r>
+            <a:r>
+              <a:rPr lang="en-IE" dirty="0"/>
+              <a:t>. – Slide 6</a:t>
+            </a:r>
+          </a:p>
+          <a:p>
+            <a:endParaRPr lang="en-IE" dirty="0"/>
+          </a:p>
+          <a:p>
+            <a:r>
+              <a:rPr lang="en-IE" dirty="0">
+                <a:hlinkClick r:id="rId4"/>
+              </a:rPr>
+              <a:t>https://unsplash.com/s/photos/x-ray</a:t>
+            </a:r>
+            <a:r>
+              <a:rPr lang="en-IE" dirty="0"/>
+              <a:t> – Slide 6</a:t>
+            </a:r>
+          </a:p>
+          <a:p>
+            <a:endParaRPr lang="en-IE" dirty="0"/>
+          </a:p>
+          <a:p>
+            <a:r>
+              <a:rPr lang="en-IE" dirty="0">
+                <a:hlinkClick r:id="rId5"/>
+              </a:rPr>
+              <a:t>https://www.pfizer.com/news/articles/flashback_the_first_ecg#:~:text=Willem%20Einthoven%20found%20the%20beat,that%20a%20human%20heart%20creates</a:t>
+            </a:r>
+            <a:r>
+              <a:rPr lang="en-IE" dirty="0"/>
+              <a:t>. – Slide 7</a:t>
+            </a:r>
+          </a:p>
+          <a:p>
+            <a:endParaRPr lang="en-IE" dirty="0"/>
+          </a:p>
+          <a:p>
+            <a:r>
+              <a:rPr lang="en-IE" dirty="0">
+                <a:hlinkClick r:id="rId6"/>
+              </a:rPr>
+              <a:t>https://unsplash.com/s/photos/heart</a:t>
+            </a:r>
+            <a:r>
+              <a:rPr lang="en-IE" dirty="0"/>
+              <a:t> – Slide 7</a:t>
+            </a:r>
+          </a:p>
+          <a:p>
+            <a:endParaRPr lang="en-IE" dirty="0"/>
+          </a:p>
+          <a:p>
+            <a:r>
+              <a:rPr lang="en-IE" dirty="0">
+                <a:hlinkClick r:id="rId7"/>
+              </a:rPr>
+              <a:t>https://unsplash.com/s/photos/electrocardiogram</a:t>
+            </a:r>
+            <a:r>
+              <a:rPr lang="en-IE" dirty="0"/>
+              <a:t> – Slide 7</a:t>
+            </a:r>
+          </a:p>
+          <a:p>
+            <a:endParaRPr lang="en-IE" dirty="0"/>
+          </a:p>
+        </p:txBody>
+      </p:sp>
+    </p:spTree>
+    <p:extLst>
+      <p:ext uri="{BB962C8B-B14F-4D97-AF65-F5344CB8AC3E}">
+        <p14:creationId xmlns:p14="http://schemas.microsoft.com/office/powerpoint/2010/main" val="547100618"/>
+      </p:ext>
+    </p:extLst>
+  </p:cSld>
+  <p:clrMapOvr>
+    <a:masterClrMapping/>
+  </p:clrMapOvr>
+  <mc:AlternateContent xmlns:mc="http://schemas.openxmlformats.org/markup-compatibility/2006" xmlns:p14="http://schemas.microsoft.com/office/powerpoint/2010/main">
+    <mc:Choice Requires="p14">
+      <p:transition spd="med" p14:dur="700">
+        <p:fade/>
+      </p:transition>
+    </mc:Choice>
+    <mc:Fallback xmlns="">
+      <p:transition spd="med">
+        <p:fade/>
+      </p:transition>
+    </mc:Fallback>
+  </mc:AlternateContent>
+</p:sld>
+</file>
+
+<file path=ppt/slides/slide18.xml><?xml version="1.0" encoding="utf-8"?>
+<p:sld xmlns:a="http://schemas.openxmlformats.org/drawingml/2006/main" xmlns:r="http://schemas.openxmlformats.org/officeDocument/2006/relationships" xmlns:p="http://schemas.openxmlformats.org/presentationml/2006/main">
+  <p:cSld>
+    <p:spTree>
+      <p:nvGrpSpPr>
+        <p:cNvPr id="1" name=""/>
+        <p:cNvGrpSpPr/>
+        <p:nvPr/>
+      </p:nvGrpSpPr>
+      <p:grpSpPr>
+        <a:xfrm>
+          <a:off x="0" y="0"/>
+          <a:ext cx="0" cy="0"/>
+          <a:chOff x="0" y="0"/>
+          <a:chExt cx="0" cy="0"/>
+        </a:xfrm>
+      </p:grpSpPr>
+      <p:sp>
+        <p:nvSpPr>
+          <p:cNvPr id="2" name="Title 1"/>
+          <p:cNvSpPr>
+            <a:spLocks noGrp="1"/>
+          </p:cNvSpPr>
+          <p:nvPr>
+            <p:ph type="title"/>
+          </p:nvPr>
+        </p:nvSpPr>
+        <p:spPr/>
+        <p:txBody>
+          <a:bodyPr/>
+          <a:lstStyle/>
+          <a:p>
+            <a:r>
+              <a:rPr lang="en-US" dirty="0"/>
+              <a:t>Bibliography</a:t>
+            </a:r>
+          </a:p>
+        </p:txBody>
+      </p:sp>
+      <p:sp>
+        <p:nvSpPr>
+          <p:cNvPr id="3" name="TextBox 2">
+            <a:extLst>
+              <a:ext uri="{FF2B5EF4-FFF2-40B4-BE49-F238E27FC236}">
+                <a16:creationId xmlns:a16="http://schemas.microsoft.com/office/drawing/2014/main" id="{57F23AF2-9605-E9F1-E373-C2D6A9F869FE}"/>
+              </a:ext>
+            </a:extLst>
+          </p:cNvPr>
+          <p:cNvSpPr txBox="1"/>
+          <p:nvPr/>
+        </p:nvSpPr>
+        <p:spPr>
+          <a:xfrm>
+            <a:off x="947428" y="1933733"/>
+            <a:ext cx="10297144" cy="4247317"/>
+          </a:xfrm>
+          <a:prstGeom prst="rect">
+            <a:avLst/>
+          </a:prstGeom>
+          <a:noFill/>
+        </p:spPr>
+        <p:txBody>
+          <a:bodyPr wrap="square" rtlCol="0">
+            <a:spAutoFit/>
+          </a:bodyPr>
+          <a:lstStyle/>
+          <a:p>
+            <a:r>
+              <a:rPr lang="en-IE" dirty="0">
+                <a:hlinkClick r:id="rId2"/>
+              </a:rPr>
+              <a:t>https://catalinaimaging.com/history-ct-scan/#:~:text=The%20first%20commercially%20available%20CT,Prize%20in%20Physiology%20and%20Medicine</a:t>
+            </a:r>
+            <a:r>
+              <a:rPr lang="en-IE" dirty="0"/>
+              <a:t> – Slide 8</a:t>
+            </a:r>
+          </a:p>
+          <a:p>
+            <a:endParaRPr lang="en-IE" dirty="0">
+              <a:hlinkClick r:id="rId3"/>
+            </a:endParaRPr>
+          </a:p>
+          <a:p>
+            <a:endParaRPr lang="en-IE" dirty="0">
+              <a:hlinkClick r:id="rId3"/>
+            </a:endParaRPr>
+          </a:p>
+          <a:p>
+            <a:r>
+              <a:rPr lang="en-IE" dirty="0">
+                <a:hlinkClick r:id="rId3"/>
+              </a:rPr>
+              <a:t>https://unsplash.com/s/photos/CT-scan</a:t>
+            </a:r>
+            <a:r>
+              <a:rPr lang="en-IE" dirty="0"/>
+              <a:t> - Slide 8</a:t>
+            </a:r>
+          </a:p>
+          <a:p>
+            <a:endParaRPr lang="en-IE" dirty="0"/>
+          </a:p>
+          <a:p>
+            <a:r>
+              <a:rPr lang="en-IE" dirty="0">
+                <a:hlinkClick r:id="rId4"/>
+              </a:rPr>
+              <a:t>https://www.nethealth.com/blog/the-history-of-electronic-health-records-ehrs/#:~:text=The%20history%20of%20EHRs%20and,systems%20to%20adopt%20an%20EHR.&amp;text=In%20the%201960s%2C%20EMR%20programs,in%20partnership%20with%20health%20organizations</a:t>
+            </a:r>
+            <a:r>
+              <a:rPr lang="en-IE" dirty="0"/>
+              <a:t>. – Slide 9</a:t>
+            </a:r>
+          </a:p>
+          <a:p>
+            <a:endParaRPr lang="en-IE" dirty="0"/>
+          </a:p>
+          <a:p>
+            <a:r>
+              <a:rPr lang="en-IE" dirty="0">
+                <a:hlinkClick r:id="rId5"/>
+              </a:rPr>
+              <a:t>https://unsplash.com/s/photos/files</a:t>
+            </a:r>
+            <a:r>
+              <a:rPr lang="en-IE" dirty="0"/>
+              <a:t> – Slide 9</a:t>
+            </a:r>
+          </a:p>
+          <a:p>
+            <a:endParaRPr lang="en-IE" dirty="0"/>
+          </a:p>
+          <a:p>
+            <a:r>
+              <a:rPr lang="en-IE" dirty="0">
+                <a:hlinkClick r:id="rId6"/>
+              </a:rPr>
+              <a:t>https://unsplash.com/s/photos/hospital-records</a:t>
+            </a:r>
+            <a:r>
+              <a:rPr lang="en-IE" dirty="0"/>
+              <a:t> – Slide 9</a:t>
+            </a:r>
+          </a:p>
+        </p:txBody>
+      </p:sp>
+    </p:spTree>
+    <p:extLst>
+      <p:ext uri="{BB962C8B-B14F-4D97-AF65-F5344CB8AC3E}">
+        <p14:creationId xmlns:p14="http://schemas.microsoft.com/office/powerpoint/2010/main" val="3498104636"/>
+      </p:ext>
+    </p:extLst>
+  </p:cSld>
+  <p:clrMapOvr>
+    <a:masterClrMapping/>
+  </p:clrMapOvr>
+  <mc:AlternateContent xmlns:mc="http://schemas.openxmlformats.org/markup-compatibility/2006" xmlns:p14="http://schemas.microsoft.com/office/powerpoint/2010/main">
+    <mc:Choice Requires="p14">
+      <p:transition spd="med" p14:dur="700">
+        <p:fade/>
+      </p:transition>
+    </mc:Choice>
+    <mc:Fallback xmlns="">
+      <p:transition spd="med">
+        <p:fade/>
+      </p:transition>
+    </mc:Fallback>
+  </mc:AlternateContent>
+</p:sld>
+</file>
+
+<file path=ppt/slides/slide19.xml><?xml version="1.0" encoding="utf-8"?>
+<p:sld xmlns:a="http://schemas.openxmlformats.org/drawingml/2006/main" xmlns:r="http://schemas.openxmlformats.org/officeDocument/2006/relationships" xmlns:p="http://schemas.openxmlformats.org/presentationml/2006/main">
+  <p:cSld>
+    <p:spTree>
+      <p:nvGrpSpPr>
+        <p:cNvPr id="1" name=""/>
+        <p:cNvGrpSpPr/>
+        <p:nvPr/>
+      </p:nvGrpSpPr>
+      <p:grpSpPr>
+        <a:xfrm>
+          <a:off x="0" y="0"/>
+          <a:ext cx="0" cy="0"/>
+          <a:chOff x="0" y="0"/>
+          <a:chExt cx="0" cy="0"/>
+        </a:xfrm>
+      </p:grpSpPr>
+      <p:sp>
+        <p:nvSpPr>
+          <p:cNvPr id="2" name="Title 1"/>
+          <p:cNvSpPr>
+            <a:spLocks noGrp="1"/>
+          </p:cNvSpPr>
+          <p:nvPr>
+            <p:ph type="title"/>
+          </p:nvPr>
+        </p:nvSpPr>
+        <p:spPr/>
+        <p:txBody>
+          <a:bodyPr/>
+          <a:lstStyle/>
+          <a:p>
+            <a:r>
+              <a:rPr lang="en-US" dirty="0"/>
+              <a:t>Bibliography</a:t>
+            </a:r>
+          </a:p>
+        </p:txBody>
+      </p:sp>
+      <p:sp>
+        <p:nvSpPr>
+          <p:cNvPr id="3" name="TextBox 2">
+            <a:extLst>
+              <a:ext uri="{FF2B5EF4-FFF2-40B4-BE49-F238E27FC236}">
+                <a16:creationId xmlns:a16="http://schemas.microsoft.com/office/drawing/2014/main" id="{57F23AF2-9605-E9F1-E373-C2D6A9F869FE}"/>
+              </a:ext>
+            </a:extLst>
+          </p:cNvPr>
+          <p:cNvSpPr txBox="1"/>
+          <p:nvPr/>
+        </p:nvSpPr>
+        <p:spPr>
+          <a:xfrm>
             <a:off x="947428" y="1905473"/>
             <a:ext cx="10297144" cy="1200329"/>
           </a:xfrm>
@@ -11473,13 +12967,13 @@
   <p:clrMapOvr>
     <a:masterClrMapping/>
   </p:clrMapOvr>
-  <mc:AlternateContent xmlns:mc="http://schemas.openxmlformats.org/markup-compatibility/2006">
-    <mc:Choice xmlns:p14="http://schemas.microsoft.com/office/powerpoint/2010/main" Requires="p14">
+  <mc:AlternateContent xmlns:mc="http://schemas.openxmlformats.org/markup-compatibility/2006" xmlns:p14="http://schemas.microsoft.com/office/powerpoint/2010/main">
+    <mc:Choice Requires="p14">
       <p:transition spd="med" p14:dur="700">
         <p:fade/>
       </p:transition>
     </mc:Choice>
-    <mc:Fallback>
+    <mc:Fallback xmlns="">
       <p:transition spd="med">
         <p:fade/>
       </p:transition>
@@ -11562,13 +13056,13 @@
   <p:clrMapOvr>
     <a:masterClrMapping/>
   </p:clrMapOvr>
-  <mc:AlternateContent xmlns:mc="http://schemas.openxmlformats.org/markup-compatibility/2006">
-    <mc:Choice xmlns:p14="http://schemas.microsoft.com/office/powerpoint/2010/main" Requires="p14">
+  <mc:AlternateContent xmlns:mc="http://schemas.openxmlformats.org/markup-compatibility/2006" xmlns:p14="http://schemas.microsoft.com/office/powerpoint/2010/main">
+    <mc:Choice Requires="p14">
       <p:transition spd="med" p14:dur="700">
         <p:fade/>
       </p:transition>
     </mc:Choice>
-    <mc:Fallback>
+    <mc:Fallback xmlns="">
       <p:transition spd="med">
         <p:fade/>
       </p:transition>
@@ -11720,11 +13214,11 @@
   <p:clrMapOvr>
     <a:masterClrMapping/>
   </p:clrMapOvr>
-  <mc:AlternateContent xmlns:mc="http://schemas.openxmlformats.org/markup-compatibility/2006">
-    <mc:Choice xmlns:p14="http://schemas.microsoft.com/office/powerpoint/2010/main" Requires="p14">
+  <mc:AlternateContent xmlns:mc="http://schemas.openxmlformats.org/markup-compatibility/2006" xmlns:p14="http://schemas.microsoft.com/office/powerpoint/2010/main">
+    <mc:Choice Requires="p14">
       <p:transition p14:dur="0"/>
     </mc:Choice>
-    <mc:Fallback>
+    <mc:Fallback xmlns="">
       <p:transition/>
     </mc:Fallback>
   </mc:AlternateContent>
@@ -13241,13 +14735,13 @@
   <p:clrMapOvr>
     <a:masterClrMapping/>
   </p:clrMapOvr>
-  <mc:AlternateContent xmlns:mc="http://schemas.openxmlformats.org/markup-compatibility/2006">
-    <mc:Choice xmlns:p14="http://schemas.microsoft.com/office/powerpoint/2010/main" Requires="p14">
+  <mc:AlternateContent xmlns:mc="http://schemas.openxmlformats.org/markup-compatibility/2006" xmlns:p14="http://schemas.microsoft.com/office/powerpoint/2010/main">
+    <mc:Choice Requires="p14">
       <p:transition spd="med" p14:dur="700">
         <p:fade/>
       </p:transition>
     </mc:Choice>
-    <mc:Fallback>
+    <mc:Fallback xmlns="">
       <p:transition spd="med">
         <p:fade/>
       </p:transition>
